--- a/Lecture/Lecture 6/Lecture 6.pptx
+++ b/Lecture/Lecture 6/Lecture 6.pptx
@@ -6,10 +6,10 @@
     <p:sldMasterId id="2147483676" r:id="rId2"/>
   </p:sldMasterIdLst>
   <p:notesMasterIdLst>
-    <p:notesMasterId r:id="rId23"/>
+    <p:notesMasterId r:id="rId18"/>
   </p:notesMasterIdLst>
   <p:handoutMasterIdLst>
-    <p:handoutMasterId r:id="rId24"/>
+    <p:handoutMasterId r:id="rId19"/>
   </p:handoutMasterIdLst>
   <p:sldIdLst>
     <p:sldId id="320" r:id="rId3"/>
@@ -26,17 +26,12 @@
     <p:sldId id="339" r:id="rId14"/>
     <p:sldId id="345" r:id="rId15"/>
     <p:sldId id="346" r:id="rId16"/>
-    <p:sldId id="340" r:id="rId17"/>
-    <p:sldId id="342" r:id="rId18"/>
-    <p:sldId id="341" r:id="rId19"/>
-    <p:sldId id="343" r:id="rId20"/>
-    <p:sldId id="344" r:id="rId21"/>
-    <p:sldId id="329" r:id="rId22"/>
+    <p:sldId id="329" r:id="rId17"/>
   </p:sldIdLst>
   <p:sldSz cx="9144000" cy="6858000" type="screen4x3"/>
   <p:notesSz cx="6858000" cy="9144000"/>
   <p:custDataLst>
-    <p:tags r:id="rId25"/>
+    <p:tags r:id="rId20"/>
   </p:custDataLst>
   <p:defaultTextStyle>
     <a:defPPr>
@@ -295,7 +290,7 @@
               <a:pPr>
                 <a:defRPr/>
               </a:pPr>
-              <a:t>9/1/2018</a:t>
+              <a:t>9/5/2018</a:t>
             </a:fld>
             <a:endParaRPr lang="en-US" dirty="0"/>
           </a:p>
@@ -507,7 +502,7 @@
               <a:pPr>
                 <a:defRPr/>
               </a:pPr>
-              <a:t>9/1/2018</a:t>
+              <a:t>9/5/2018</a:t>
             </a:fld>
             <a:endParaRPr lang="en-US" dirty="0"/>
           </a:p>
@@ -1026,7 +1021,7 @@
               <a:pPr>
                 <a:defRPr/>
               </a:pPr>
-              <a:t>9/1/2018</a:t>
+              <a:t>9/5/2018</a:t>
             </a:fld>
             <a:endParaRPr lang="en-US" dirty="0"/>
           </a:p>
@@ -1216,7 +1211,7 @@
               <a:pPr>
                 <a:defRPr/>
               </a:pPr>
-              <a:t>9/1/2018</a:t>
+              <a:t>9/5/2018</a:t>
             </a:fld>
             <a:endParaRPr lang="en-US" dirty="0"/>
           </a:p>
@@ -1416,7 +1411,7 @@
               <a:pPr>
                 <a:defRPr/>
               </a:pPr>
-              <a:t>9/1/2018</a:t>
+              <a:t>9/5/2018</a:t>
             </a:fld>
             <a:endParaRPr lang="en-US" dirty="0"/>
           </a:p>
@@ -1684,7 +1679,7 @@
               <a:pPr>
                 <a:defRPr/>
               </a:pPr>
-              <a:t>9/1/2018</a:t>
+              <a:t>9/5/2018</a:t>
             </a:fld>
             <a:endParaRPr lang="en-US" dirty="0">
               <a:solidFill>
@@ -1898,7 +1893,7 @@
               <a:pPr>
                 <a:defRPr/>
               </a:pPr>
-              <a:t>9/1/2018</a:t>
+              <a:t>9/5/2018</a:t>
             </a:fld>
             <a:endParaRPr lang="en-US" dirty="0">
               <a:solidFill>
@@ -2189,7 +2184,7 @@
               <a:pPr>
                 <a:defRPr/>
               </a:pPr>
-              <a:t>9/1/2018</a:t>
+              <a:t>9/5/2018</a:t>
             </a:fld>
             <a:endParaRPr lang="en-US" dirty="0">
               <a:solidFill>
@@ -2520,7 +2515,7 @@
               <a:pPr>
                 <a:defRPr/>
               </a:pPr>
-              <a:t>9/1/2018</a:t>
+              <a:t>9/5/2018</a:t>
             </a:fld>
             <a:endParaRPr lang="en-US" dirty="0">
               <a:solidFill>
@@ -2985,7 +2980,7 @@
               <a:pPr>
                 <a:defRPr/>
               </a:pPr>
-              <a:t>9/1/2018</a:t>
+              <a:t>9/5/2018</a:t>
             </a:fld>
             <a:endParaRPr lang="en-US" dirty="0">
               <a:solidFill>
@@ -3148,7 +3143,7 @@
               <a:pPr>
                 <a:defRPr/>
               </a:pPr>
-              <a:t>9/1/2018</a:t>
+              <a:t>9/5/2018</a:t>
             </a:fld>
             <a:endParaRPr lang="en-US" dirty="0">
               <a:solidFill>
@@ -3289,7 +3284,7 @@
               <a:pPr>
                 <a:defRPr/>
               </a:pPr>
-              <a:t>9/1/2018</a:t>
+              <a:t>9/5/2018</a:t>
             </a:fld>
             <a:endParaRPr lang="en-US" dirty="0">
               <a:solidFill>
@@ -3610,7 +3605,7 @@
               <a:pPr>
                 <a:defRPr/>
               </a:pPr>
-              <a:t>9/1/2018</a:t>
+              <a:t>9/5/2018</a:t>
             </a:fld>
             <a:endParaRPr lang="en-US" dirty="0">
               <a:solidFill>
@@ -3818,7 +3813,7 @@
               <a:pPr>
                 <a:defRPr/>
               </a:pPr>
-              <a:t>9/1/2018</a:t>
+              <a:t>9/5/2018</a:t>
             </a:fld>
             <a:endParaRPr lang="en-US" dirty="0"/>
           </a:p>
@@ -4101,7 +4096,7 @@
               <a:pPr>
                 <a:defRPr/>
               </a:pPr>
-              <a:t>9/1/2018</a:t>
+              <a:t>9/5/2018</a:t>
             </a:fld>
             <a:endParaRPr lang="en-US" dirty="0">
               <a:solidFill>
@@ -4315,7 +4310,7 @@
               <a:pPr>
                 <a:defRPr/>
               </a:pPr>
-              <a:t>9/1/2018</a:t>
+              <a:t>9/5/2018</a:t>
             </a:fld>
             <a:endParaRPr lang="en-US" dirty="0">
               <a:solidFill>
@@ -4539,7 +4534,7 @@
               <a:pPr>
                 <a:defRPr/>
               </a:pPr>
-              <a:t>9/1/2018</a:t>
+              <a:t>9/5/2018</a:t>
             </a:fld>
             <a:endParaRPr lang="en-US" dirty="0">
               <a:solidFill>
@@ -4749,7 +4744,7 @@
               <a:pPr>
                 <a:defRPr/>
               </a:pPr>
-              <a:t>9/1/2018</a:t>
+              <a:t>9/5/2018</a:t>
             </a:fld>
             <a:endParaRPr lang="en-US" dirty="0">
               <a:solidFill>
@@ -5026,7 +5021,7 @@
               <a:pPr>
                 <a:defRPr/>
               </a:pPr>
-              <a:t>9/1/2018</a:t>
+              <a:t>9/5/2018</a:t>
             </a:fld>
             <a:endParaRPr lang="en-US" dirty="0"/>
           </a:p>
@@ -5333,7 +5328,7 @@
               <a:pPr>
                 <a:defRPr/>
               </a:pPr>
-              <a:t>9/1/2018</a:t>
+              <a:t>9/5/2018</a:t>
             </a:fld>
             <a:endParaRPr lang="en-US" dirty="0"/>
           </a:p>
@@ -5774,7 +5769,7 @@
               <a:pPr>
                 <a:defRPr/>
               </a:pPr>
-              <a:t>9/1/2018</a:t>
+              <a:t>9/5/2018</a:t>
             </a:fld>
             <a:endParaRPr lang="en-US" dirty="0"/>
           </a:p>
@@ -5913,7 +5908,7 @@
               <a:pPr>
                 <a:defRPr/>
               </a:pPr>
-              <a:t>9/1/2018</a:t>
+              <a:t>9/5/2018</a:t>
             </a:fld>
             <a:endParaRPr lang="en-US" dirty="0"/>
           </a:p>
@@ -6030,7 +6025,7 @@
               <a:pPr>
                 <a:defRPr/>
               </a:pPr>
-              <a:t>9/1/2018</a:t>
+              <a:t>9/5/2018</a:t>
             </a:fld>
             <a:endParaRPr lang="en-US" dirty="0"/>
           </a:p>
@@ -6327,7 +6322,7 @@
               <a:pPr>
                 <a:defRPr/>
               </a:pPr>
-              <a:t>9/1/2018</a:t>
+              <a:t>9/5/2018</a:t>
             </a:fld>
             <a:endParaRPr lang="en-US" dirty="0"/>
           </a:p>
@@ -6604,7 +6599,7 @@
               <a:pPr>
                 <a:defRPr/>
               </a:pPr>
-              <a:t>9/1/2018</a:t>
+              <a:t>9/5/2018</a:t>
             </a:fld>
             <a:endParaRPr lang="en-US" dirty="0"/>
           </a:p>
@@ -6861,7 +6856,7 @@
               <a:pPr>
                 <a:defRPr/>
               </a:pPr>
-              <a:t>9/1/2018</a:t>
+              <a:t>9/5/2018</a:t>
             </a:fld>
             <a:endParaRPr lang="en-US" dirty="0"/>
           </a:p>
@@ -7571,7 +7566,7 @@
               <a:pPr>
                 <a:defRPr/>
               </a:pPr>
-              <a:t>9/1/2018</a:t>
+              <a:t>9/5/2018</a:t>
             </a:fld>
             <a:endParaRPr lang="en-US" dirty="0">
               <a:solidFill>
@@ -10902,14 +10897,15 @@
               </a:lnSpc>
             </a:pPr>
             <a:r>
-              <a:rPr lang="en-US" sz="2400" dirty="0">
+              <a:rPr lang="en-US" sz="2400" kern="1200">
                 <a:solidFill>
                   <a:schemeClr val="bg1"/>
                 </a:solidFill>
+                <a:latin typeface="+mj-lt"/>
                 <a:ea typeface="+mj-ea"/>
                 <a:cs typeface="+mj-cs"/>
               </a:rPr>
-              <a:t>Case Study</a:t>
+              <a:t>Closing</a:t>
             </a:r>
             <a:endParaRPr lang="en-US" sz="2400" kern="1200" dirty="0">
               <a:solidFill>
@@ -10954,2686 +10950,493 @@
       </p:pic>
       <p:sp>
         <p:nvSpPr>
-          <p:cNvPr id="4" name="TextBox 3">
+          <p:cNvPr id="7" name="Content Placeholder 2">
             <a:extLst>
               <a:ext uri="{FF2B5EF4-FFF2-40B4-BE49-F238E27FC236}">
-                <a16:creationId xmlns:a16="http://schemas.microsoft.com/office/drawing/2014/main" id="{9B70DD5F-80AF-47A6-9622-DF0880C2AE63}"/>
+                <a16:creationId xmlns:a16="http://schemas.microsoft.com/office/drawing/2014/main" id="{8FE51533-15BE-453E-90FE-08298901BC34}"/>
               </a:ext>
             </a:extLst>
           </p:cNvPr>
-          <p:cNvSpPr txBox="1"/>
+          <p:cNvSpPr txBox="1">
+            <a:spLocks/>
+          </p:cNvSpPr>
           <p:nvPr/>
         </p:nvSpPr>
-        <p:spPr>
+        <p:spPr bwMode="auto">
           <a:xfrm>
-            <a:off x="3810000" y="643467"/>
-            <a:ext cx="4953000" cy="461665"/>
+            <a:off x="3810000" y="643466"/>
+            <a:ext cx="4851400" cy="5833533"/>
           </a:xfrm>
           <a:prstGeom prst="rect">
             <a:avLst/>
           </a:prstGeom>
-          <a:noFill/>
         </p:spPr>
         <p:txBody>
-          <a:bodyPr wrap="square" rtlCol="0">
-            <a:spAutoFit/>
+          <a:bodyPr vert="horz" lIns="91440" tIns="45720" rIns="91440" bIns="45720" numCol="1" rtlCol="0" anchorCtr="0" compatLnSpc="1">
+            <a:prstTxWarp prst="textNoShape">
+              <a:avLst/>
+            </a:prstTxWarp>
+            <a:noAutofit/>
           </a:bodyPr>
-          <a:lstStyle/>
-          <a:p>
-            <a:pPr marL="342900" indent="-342900">
+          <a:lstStyle>
+            <a:lvl1pPr marL="342900" indent="-342900" algn="l" defTabSz="457200" rtl="0" eaLnBrk="0" fontAlgn="base" hangingPunct="0">
+              <a:spcBef>
+                <a:spcPct val="20000"/>
+              </a:spcBef>
+              <a:spcAft>
+                <a:spcPct val="0"/>
+              </a:spcAft>
+              <a:buFont typeface="Arial" charset="0"/>
+              <a:buChar char="•"/>
+              <a:defRPr sz="3200" kern="1200">
+                <a:solidFill>
+                  <a:schemeClr val="tx1"/>
+                </a:solidFill>
+                <a:latin typeface="+mn-lt"/>
+                <a:ea typeface="ＭＳ Ｐゴシック" pitchFamily="-109" charset="-128"/>
+                <a:cs typeface="ＭＳ Ｐゴシック" pitchFamily="-109" charset="-128"/>
+              </a:defRPr>
+            </a:lvl1pPr>
+            <a:lvl2pPr marL="742950" indent="-285750" algn="l" defTabSz="457200" rtl="0" eaLnBrk="0" fontAlgn="base" hangingPunct="0">
+              <a:spcBef>
+                <a:spcPct val="20000"/>
+              </a:spcBef>
+              <a:spcAft>
+                <a:spcPct val="0"/>
+              </a:spcAft>
+              <a:buFont typeface="Arial" charset="0"/>
+              <a:buChar char="–"/>
+              <a:defRPr sz="2800" kern="1200">
+                <a:solidFill>
+                  <a:schemeClr val="tx1"/>
+                </a:solidFill>
+                <a:latin typeface="+mn-lt"/>
+                <a:ea typeface="ＭＳ Ｐゴシック" pitchFamily="-109" charset="-128"/>
+                <a:cs typeface="+mn-cs"/>
+              </a:defRPr>
+            </a:lvl2pPr>
+            <a:lvl3pPr marL="1143000" indent="-228600" algn="l" defTabSz="457200" rtl="0" eaLnBrk="0" fontAlgn="base" hangingPunct="0">
+              <a:spcBef>
+                <a:spcPct val="20000"/>
+              </a:spcBef>
+              <a:spcAft>
+                <a:spcPct val="0"/>
+              </a:spcAft>
+              <a:buFont typeface="Arial" charset="0"/>
+              <a:buChar char="•"/>
+              <a:defRPr sz="2400" kern="1200">
+                <a:solidFill>
+                  <a:schemeClr val="tx1"/>
+                </a:solidFill>
+                <a:latin typeface="+mn-lt"/>
+                <a:ea typeface="ＭＳ Ｐゴシック" pitchFamily="-109" charset="-128"/>
+                <a:cs typeface="+mn-cs"/>
+              </a:defRPr>
+            </a:lvl3pPr>
+            <a:lvl4pPr marL="1600200" indent="-228600" algn="l" defTabSz="457200" rtl="0" eaLnBrk="0" fontAlgn="base" hangingPunct="0">
+              <a:spcBef>
+                <a:spcPct val="20000"/>
+              </a:spcBef>
+              <a:spcAft>
+                <a:spcPct val="0"/>
+              </a:spcAft>
+              <a:buFont typeface="Arial" charset="0"/>
+              <a:buChar char="–"/>
+              <a:defRPr sz="2000" kern="1200">
+                <a:solidFill>
+                  <a:schemeClr val="tx1"/>
+                </a:solidFill>
+                <a:latin typeface="+mn-lt"/>
+                <a:ea typeface="ＭＳ Ｐゴシック" pitchFamily="-109" charset="-128"/>
+                <a:cs typeface="+mn-cs"/>
+              </a:defRPr>
+            </a:lvl4pPr>
+            <a:lvl5pPr marL="2057400" indent="-228600" algn="l" defTabSz="457200" rtl="0" eaLnBrk="0" fontAlgn="base" hangingPunct="0">
+              <a:spcBef>
+                <a:spcPct val="20000"/>
+              </a:spcBef>
+              <a:spcAft>
+                <a:spcPct val="0"/>
+              </a:spcAft>
+              <a:buFont typeface="Arial" charset="0"/>
+              <a:buChar char="»"/>
+              <a:defRPr sz="2000" kern="1200">
+                <a:solidFill>
+                  <a:schemeClr val="tx1"/>
+                </a:solidFill>
+                <a:latin typeface="+mn-lt"/>
+                <a:ea typeface="ＭＳ Ｐゴシック" pitchFamily="-109" charset="-128"/>
+                <a:cs typeface="+mn-cs"/>
+              </a:defRPr>
+            </a:lvl5pPr>
+            <a:lvl6pPr marL="2514600" indent="-228600" algn="l" defTabSz="457200" rtl="0" eaLnBrk="1" latinLnBrk="0" hangingPunct="1">
+              <a:spcBef>
+                <a:spcPct val="20000"/>
+              </a:spcBef>
+              <a:buFont typeface="Arial"/>
+              <a:buChar char="•"/>
+              <a:defRPr sz="2000" kern="1200">
+                <a:solidFill>
+                  <a:schemeClr val="tx1"/>
+                </a:solidFill>
+                <a:latin typeface="+mn-lt"/>
+                <a:ea typeface="+mn-ea"/>
+                <a:cs typeface="+mn-cs"/>
+              </a:defRPr>
+            </a:lvl6pPr>
+            <a:lvl7pPr marL="2971800" indent="-228600" algn="l" defTabSz="457200" rtl="0" eaLnBrk="1" latinLnBrk="0" hangingPunct="1">
+              <a:spcBef>
+                <a:spcPct val="20000"/>
+              </a:spcBef>
+              <a:buFont typeface="Arial"/>
+              <a:buChar char="•"/>
+              <a:defRPr sz="2000" kern="1200">
+                <a:solidFill>
+                  <a:schemeClr val="tx1"/>
+                </a:solidFill>
+                <a:latin typeface="+mn-lt"/>
+                <a:ea typeface="+mn-ea"/>
+                <a:cs typeface="+mn-cs"/>
+              </a:defRPr>
+            </a:lvl7pPr>
+            <a:lvl8pPr marL="3429000" indent="-228600" algn="l" defTabSz="457200" rtl="0" eaLnBrk="1" latinLnBrk="0" hangingPunct="1">
+              <a:spcBef>
+                <a:spcPct val="20000"/>
+              </a:spcBef>
+              <a:buFont typeface="Arial"/>
+              <a:buChar char="•"/>
+              <a:defRPr sz="2000" kern="1200">
+                <a:solidFill>
+                  <a:schemeClr val="tx1"/>
+                </a:solidFill>
+                <a:latin typeface="+mn-lt"/>
+                <a:ea typeface="+mn-ea"/>
+                <a:cs typeface="+mn-cs"/>
+              </a:defRPr>
+            </a:lvl8pPr>
+            <a:lvl9pPr marL="3886200" indent="-228600" algn="l" defTabSz="457200" rtl="0" eaLnBrk="1" latinLnBrk="0" hangingPunct="1">
+              <a:spcBef>
+                <a:spcPct val="20000"/>
+              </a:spcBef>
+              <a:buFont typeface="Arial"/>
+              <a:buChar char="•"/>
+              <a:defRPr sz="2000" kern="1200">
+                <a:solidFill>
+                  <a:schemeClr val="tx1"/>
+                </a:solidFill>
+                <a:latin typeface="+mn-lt"/>
+                <a:ea typeface="+mn-ea"/>
+                <a:cs typeface="+mn-cs"/>
+              </a:defRPr>
+            </a:lvl9pPr>
+          </a:lstStyle>
+          <a:p>
+            <a:pPr indent="-228600" defTabSz="914400" eaLnBrk="1" hangingPunct="1">
+              <a:lnSpc>
+                <a:spcPct val="90000"/>
+              </a:lnSpc>
               <a:buFont typeface="Arial" panose="020B0604020202020204" pitchFamily="34" charset="0"/>
               <a:buChar char="•"/>
             </a:pPr>
-            <a:endParaRPr lang="en-US" dirty="0">
+            <a:endParaRPr lang="en-US" sz="2000" dirty="0">
               <a:solidFill>
                 <a:srgbClr val="404040"/>
               </a:solidFill>
+              <a:ea typeface="+mn-ea"/>
+              <a:cs typeface="+mn-cs"/>
             </a:endParaRPr>
           </a:p>
-        </p:txBody>
-      </p:sp>
-      <mc:AlternateContent xmlns:mc="http://schemas.openxmlformats.org/markup-compatibility/2006">
-        <mc:Choice xmlns:a14="http://schemas.microsoft.com/office/drawing/2010/main" Requires="a14">
-          <p:sp>
-            <p:nvSpPr>
-              <p:cNvPr id="6" name="TextBox 5">
-                <a:extLst>
-                  <a:ext uri="{FF2B5EF4-FFF2-40B4-BE49-F238E27FC236}">
-                    <a16:creationId xmlns:a16="http://schemas.microsoft.com/office/drawing/2014/main" id="{E828729A-F29C-423D-B49F-097B379344C5}"/>
-                  </a:ext>
-                </a:extLst>
-              </p:cNvPr>
-              <p:cNvSpPr txBox="1"/>
-              <p:nvPr/>
-            </p:nvSpPr>
-            <p:spPr>
-              <a:xfrm>
-                <a:off x="4129278" y="548634"/>
-                <a:ext cx="4953000" cy="5755743"/>
-              </a:xfrm>
-              <a:prstGeom prst="rect">
-                <a:avLst/>
-              </a:prstGeom>
-              <a:noFill/>
-            </p:spPr>
-            <p:txBody>
-              <a:bodyPr wrap="square" rtlCol="0">
-                <a:spAutoFit/>
-              </a:bodyPr>
-              <a:lstStyle/>
-              <a:p>
-                <a:pPr marL="342900" indent="-342900">
-                  <a:buFont typeface="Arial" panose="020B0604020202020204" pitchFamily="34" charset="0"/>
-                  <a:buChar char="•"/>
-                </a:pPr>
-                <a:r>
-                  <a:rPr lang="en-US" dirty="0">
-                    <a:solidFill>
-                      <a:srgbClr val="404040"/>
-                    </a:solidFill>
-                  </a:rPr>
-                  <a:t>Flight Accuracy</a:t>
-                </a:r>
-              </a:p>
-              <a:p>
-                <a:pPr lvl="1"/>
-                <a:endParaRPr lang="en-US" dirty="0">
-                  <a:solidFill>
-                    <a:srgbClr val="404040"/>
-                  </a:solidFill>
-                </a:endParaRPr>
-              </a:p>
-              <a:p>
-                <a:pPr marL="800100" lvl="1" indent="-342900">
-                  <a:buFont typeface="Arial" panose="020B0604020202020204" pitchFamily="34" charset="0"/>
-                  <a:buChar char="•"/>
-                </a:pPr>
-                <a:r>
-                  <a:rPr lang="en-US" dirty="0">
-                    <a:solidFill>
-                      <a:srgbClr val="404040"/>
-                    </a:solidFill>
-                  </a:rPr>
-                  <a:t>Accurate Flight Means</a:t>
-                </a:r>
-              </a:p>
-              <a:p>
-                <a:pPr marL="1257300" lvl="2" indent="-342900">
-                  <a:buFont typeface="Arial" panose="020B0604020202020204" pitchFamily="34" charset="0"/>
-                  <a:buChar char="•"/>
-                </a:pPr>
-                <a:r>
-                  <a:rPr lang="en-US" dirty="0">
-                    <a:solidFill>
-                      <a:srgbClr val="404040"/>
-                    </a:solidFill>
-                  </a:rPr>
-                  <a:t>Departure Delay = 0</a:t>
-                </a:r>
-              </a:p>
-              <a:p>
-                <a:pPr marL="1257300" lvl="2" indent="-342900">
-                  <a:buFont typeface="Arial" panose="020B0604020202020204" pitchFamily="34" charset="0"/>
-                  <a:buChar char="•"/>
-                </a:pPr>
-                <a:r>
-                  <a:rPr lang="en-US" dirty="0">
-                    <a:solidFill>
-                      <a:srgbClr val="404040"/>
-                    </a:solidFill>
-                  </a:rPr>
-                  <a:t>Arrival Delay = 0</a:t>
-                </a:r>
-              </a:p>
-              <a:p>
-                <a:pPr marL="1257300" lvl="2" indent="-342900">
-                  <a:buFont typeface="Arial" panose="020B0604020202020204" pitchFamily="34" charset="0"/>
-                  <a:buChar char="•"/>
-                </a:pPr>
-                <a:endParaRPr lang="en-US" dirty="0">
-                  <a:solidFill>
-                    <a:srgbClr val="404040"/>
-                  </a:solidFill>
-                </a:endParaRPr>
-              </a:p>
-              <a:p>
-                <a:pPr marL="800100" lvl="1" indent="-342900">
-                  <a:buFont typeface="Arial" panose="020B0604020202020204" pitchFamily="34" charset="0"/>
-                  <a:buChar char="•"/>
-                </a:pPr>
-                <a:r>
-                  <a:rPr lang="en-US" dirty="0">
-                    <a:solidFill>
-                      <a:srgbClr val="404040"/>
-                    </a:solidFill>
-                  </a:rPr>
-                  <a:t>Bad Metric</a:t>
-                </a:r>
-              </a:p>
-              <a:p>
-                <a:pPr lvl="1"/>
-                <a:r>
-                  <a:rPr lang="en-US" dirty="0">
-                    <a:solidFill>
-                      <a:srgbClr val="404040"/>
-                    </a:solidFill>
-                  </a:rPr>
-                  <a:t>	</a:t>
-                </a:r>
-                <a14:m>
-                  <m:oMath xmlns:m="http://schemas.openxmlformats.org/officeDocument/2006/math">
-                    <m:r>
-                      <a:rPr lang="en-US" sz="1800" b="0" i="1" smtClean="0">
-                        <a:solidFill>
-                          <a:srgbClr val="404040"/>
-                        </a:solidFill>
-                        <a:latin typeface="Cambria Math" panose="02040503050406030204" pitchFamily="18" charset="0"/>
-                      </a:rPr>
-                      <m:t>𝐴𝑐𝑐𝑢𝑟𝑎𝑐𝑦</m:t>
-                    </m:r>
-                    <m:r>
-                      <a:rPr lang="en-US" sz="1800" b="0" i="1" smtClean="0">
-                        <a:solidFill>
-                          <a:srgbClr val="404040"/>
-                        </a:solidFill>
-                        <a:latin typeface="Cambria Math" panose="02040503050406030204" pitchFamily="18" charset="0"/>
-                      </a:rPr>
-                      <m:t>=</m:t>
-                    </m:r>
-                    <m:r>
-                      <a:rPr lang="en-US" sz="1800" b="0" i="1" smtClean="0">
-                        <a:solidFill>
-                          <a:srgbClr val="404040"/>
-                        </a:solidFill>
-                        <a:latin typeface="Cambria Math" panose="02040503050406030204" pitchFamily="18" charset="0"/>
-                      </a:rPr>
-                      <m:t>𝑑𝑒𝑙𝑎</m:t>
-                    </m:r>
-                    <m:sSub>
-                      <m:sSubPr>
-                        <m:ctrlPr>
-                          <a:rPr lang="en-US" sz="1800" b="0" i="1" smtClean="0">
-                            <a:solidFill>
-                              <a:srgbClr val="404040"/>
-                            </a:solidFill>
-                            <a:latin typeface="Cambria Math" panose="02040503050406030204" pitchFamily="18" charset="0"/>
-                          </a:rPr>
-                        </m:ctrlPr>
-                      </m:sSubPr>
-                      <m:e>
-                        <m:r>
-                          <a:rPr lang="en-US" sz="1800" b="0" i="1" smtClean="0">
-                            <a:solidFill>
-                              <a:srgbClr val="404040"/>
-                            </a:solidFill>
-                            <a:latin typeface="Cambria Math" panose="02040503050406030204" pitchFamily="18" charset="0"/>
-                          </a:rPr>
-                          <m:t>𝑦</m:t>
-                        </m:r>
-                      </m:e>
-                      <m:sub>
-                        <m:r>
-                          <a:rPr lang="en-US" sz="1800" b="0" i="1" smtClean="0">
-                            <a:solidFill>
-                              <a:srgbClr val="404040"/>
-                            </a:solidFill>
-                            <a:latin typeface="Cambria Math" panose="02040503050406030204" pitchFamily="18" charset="0"/>
-                          </a:rPr>
-                          <m:t>𝑑𝑒𝑝</m:t>
-                        </m:r>
-                      </m:sub>
-                    </m:sSub>
-                    <m:r>
-                      <a:rPr lang="en-US" sz="1800" b="0" i="1" smtClean="0">
-                        <a:solidFill>
-                          <a:srgbClr val="404040"/>
-                        </a:solidFill>
-                        <a:latin typeface="Cambria Math" panose="02040503050406030204" pitchFamily="18" charset="0"/>
-                      </a:rPr>
-                      <m:t>+</m:t>
-                    </m:r>
-                    <m:r>
-                      <a:rPr lang="en-US" sz="1800" b="0" i="1" smtClean="0">
-                        <a:solidFill>
-                          <a:srgbClr val="404040"/>
-                        </a:solidFill>
-                        <a:latin typeface="Cambria Math" panose="02040503050406030204" pitchFamily="18" charset="0"/>
-                      </a:rPr>
-                      <m:t>𝑑𝑒𝑙𝑎</m:t>
-                    </m:r>
-                    <m:sSub>
-                      <m:sSubPr>
-                        <m:ctrlPr>
-                          <a:rPr lang="en-US" sz="1800" b="0" i="1" smtClean="0">
-                            <a:solidFill>
-                              <a:srgbClr val="404040"/>
-                            </a:solidFill>
-                            <a:latin typeface="Cambria Math" panose="02040503050406030204" pitchFamily="18" charset="0"/>
-                          </a:rPr>
-                        </m:ctrlPr>
-                      </m:sSubPr>
-                      <m:e>
-                        <m:r>
-                          <a:rPr lang="en-US" sz="1800" b="0" i="1" smtClean="0">
-                            <a:solidFill>
-                              <a:srgbClr val="404040"/>
-                            </a:solidFill>
-                            <a:latin typeface="Cambria Math" panose="02040503050406030204" pitchFamily="18" charset="0"/>
-                          </a:rPr>
-                          <m:t>𝑦</m:t>
-                        </m:r>
-                      </m:e>
-                      <m:sub>
-                        <m:r>
-                          <a:rPr lang="en-US" sz="1800" b="0" i="1" smtClean="0">
-                            <a:solidFill>
-                              <a:srgbClr val="404040"/>
-                            </a:solidFill>
-                            <a:latin typeface="Cambria Math" panose="02040503050406030204" pitchFamily="18" charset="0"/>
-                          </a:rPr>
-                          <m:t>𝑎𝑟𝑟</m:t>
-                        </m:r>
-                      </m:sub>
-                    </m:sSub>
-                  </m:oMath>
-                </a14:m>
-                <a:endParaRPr lang="en-US" sz="1800" dirty="0">
-                  <a:solidFill>
-                    <a:srgbClr val="404040"/>
-                  </a:solidFill>
-                </a:endParaRPr>
-              </a:p>
-              <a:p>
-                <a:pPr lvl="1"/>
-                <a:r>
-                  <a:rPr lang="en-US" sz="1800" dirty="0">
-                    <a:solidFill>
-                      <a:srgbClr val="404040"/>
-                    </a:solidFill>
-                  </a:rPr>
-                  <a:t>	</a:t>
-                </a:r>
-                <a14:m>
-                  <m:oMath xmlns:m="http://schemas.openxmlformats.org/officeDocument/2006/math">
-                    <m:r>
-                      <a:rPr lang="en-US" sz="1800" i="1">
-                        <a:solidFill>
-                          <a:srgbClr val="404040"/>
-                        </a:solidFill>
-                        <a:latin typeface="Cambria Math" panose="02040503050406030204" pitchFamily="18" charset="0"/>
-                      </a:rPr>
-                      <m:t>𝐴𝑐𝑐𝑢𝑟𝑎𝑐𝑦</m:t>
-                    </m:r>
-                    <m:r>
-                      <a:rPr lang="en-US" sz="1800" i="1">
-                        <a:solidFill>
-                          <a:srgbClr val="404040"/>
-                        </a:solidFill>
-                        <a:latin typeface="Cambria Math" panose="02040503050406030204" pitchFamily="18" charset="0"/>
-                      </a:rPr>
-                      <m:t>=(</m:t>
-                    </m:r>
-                    <m:r>
-                      <a:rPr lang="en-US" sz="1800" i="1">
-                        <a:solidFill>
-                          <a:srgbClr val="404040"/>
-                        </a:solidFill>
-                        <a:latin typeface="Cambria Math" panose="02040503050406030204" pitchFamily="18" charset="0"/>
-                      </a:rPr>
-                      <m:t>𝑑𝑒𝑙𝑎</m:t>
-                    </m:r>
-                    <m:sSub>
-                      <m:sSubPr>
-                        <m:ctrlPr>
-                          <a:rPr lang="en-US" sz="1800" i="1">
-                            <a:solidFill>
-                              <a:srgbClr val="404040"/>
-                            </a:solidFill>
-                            <a:latin typeface="Cambria Math" panose="02040503050406030204" pitchFamily="18" charset="0"/>
-                          </a:rPr>
-                        </m:ctrlPr>
-                      </m:sSubPr>
-                      <m:e>
-                        <m:r>
-                          <a:rPr lang="en-US" sz="1800" i="1">
-                            <a:solidFill>
-                              <a:srgbClr val="404040"/>
-                            </a:solidFill>
-                            <a:latin typeface="Cambria Math" panose="02040503050406030204" pitchFamily="18" charset="0"/>
-                          </a:rPr>
-                          <m:t>𝑦</m:t>
-                        </m:r>
-                      </m:e>
-                      <m:sub>
-                        <m:r>
-                          <a:rPr lang="en-US" sz="1800" i="1">
-                            <a:solidFill>
-                              <a:srgbClr val="404040"/>
-                            </a:solidFill>
-                            <a:latin typeface="Cambria Math" panose="02040503050406030204" pitchFamily="18" charset="0"/>
-                          </a:rPr>
-                          <m:t>𝑑𝑒𝑝</m:t>
-                        </m:r>
-                      </m:sub>
-                    </m:sSub>
-                    <m:r>
-                      <a:rPr lang="en-US" sz="1800" i="1">
-                        <a:solidFill>
-                          <a:srgbClr val="404040"/>
-                        </a:solidFill>
-                        <a:latin typeface="Cambria Math" panose="02040503050406030204" pitchFamily="18" charset="0"/>
-                      </a:rPr>
-                      <m:t>+</m:t>
-                    </m:r>
-                    <m:r>
-                      <a:rPr lang="en-US" sz="1800" i="1">
-                        <a:solidFill>
-                          <a:srgbClr val="404040"/>
-                        </a:solidFill>
-                        <a:latin typeface="Cambria Math" panose="02040503050406030204" pitchFamily="18" charset="0"/>
-                      </a:rPr>
-                      <m:t>𝑑𝑒𝑙𝑎</m:t>
-                    </m:r>
-                    <m:sSub>
-                      <m:sSubPr>
-                        <m:ctrlPr>
-                          <a:rPr lang="en-US" sz="1800" i="1">
-                            <a:solidFill>
-                              <a:srgbClr val="404040"/>
-                            </a:solidFill>
-                            <a:latin typeface="Cambria Math" panose="02040503050406030204" pitchFamily="18" charset="0"/>
-                          </a:rPr>
-                        </m:ctrlPr>
-                      </m:sSubPr>
-                      <m:e>
-                        <m:r>
-                          <a:rPr lang="en-US" sz="1800" i="1">
-                            <a:solidFill>
-                              <a:srgbClr val="404040"/>
-                            </a:solidFill>
-                            <a:latin typeface="Cambria Math" panose="02040503050406030204" pitchFamily="18" charset="0"/>
-                          </a:rPr>
-                          <m:t>𝑦</m:t>
-                        </m:r>
-                      </m:e>
-                      <m:sub>
-                        <m:r>
-                          <a:rPr lang="en-US" sz="1800" i="1">
-                            <a:solidFill>
-                              <a:srgbClr val="404040"/>
-                            </a:solidFill>
-                            <a:latin typeface="Cambria Math" panose="02040503050406030204" pitchFamily="18" charset="0"/>
-                          </a:rPr>
-                          <m:t>𝑎𝑟𝑟</m:t>
-                        </m:r>
-                      </m:sub>
-                    </m:sSub>
-                    <m:r>
-                      <a:rPr lang="en-US" sz="1800" b="0" i="1" smtClean="0">
-                        <a:solidFill>
-                          <a:srgbClr val="404040"/>
-                        </a:solidFill>
-                        <a:latin typeface="Cambria Math" panose="02040503050406030204" pitchFamily="18" charset="0"/>
-                      </a:rPr>
-                      <m:t>)/2</m:t>
-                    </m:r>
-                  </m:oMath>
-                </a14:m>
-                <a:endParaRPr lang="en-US" sz="1800" dirty="0">
-                  <a:solidFill>
-                    <a:srgbClr val="404040"/>
-                  </a:solidFill>
-                </a:endParaRPr>
-              </a:p>
-              <a:p>
-                <a:pPr marL="742950" lvl="1" indent="-285750">
-                  <a:buFont typeface="Arial" panose="020B0604020202020204" pitchFamily="34" charset="0"/>
-                  <a:buChar char="•"/>
-                </a:pPr>
-                <a:endParaRPr lang="en-US" b="0" dirty="0">
-                  <a:solidFill>
-                    <a:srgbClr val="404040"/>
-                  </a:solidFill>
-                </a:endParaRPr>
-              </a:p>
-              <a:p>
-                <a:pPr marL="742950" lvl="1" indent="-285750">
-                  <a:buFont typeface="Arial" panose="020B0604020202020204" pitchFamily="34" charset="0"/>
-                  <a:buChar char="•"/>
-                </a:pPr>
-                <a:r>
-                  <a:rPr lang="en-US" dirty="0">
-                    <a:solidFill>
-                      <a:srgbClr val="404040"/>
-                    </a:solidFill>
-                  </a:rPr>
-                  <a:t>Good Metrics</a:t>
-                </a:r>
-                <a:endParaRPr lang="en-US" b="0" dirty="0">
-                  <a:solidFill>
-                    <a:srgbClr val="404040"/>
-                  </a:solidFill>
-                </a:endParaRPr>
-              </a:p>
-              <a:p>
-                <a:pPr lvl="1"/>
-                <a:r>
-                  <a:rPr lang="en-US" b="0" dirty="0">
-                    <a:solidFill>
-                      <a:srgbClr val="404040"/>
-                    </a:solidFill>
-                  </a:rPr>
-                  <a:t>	</a:t>
-                </a:r>
-                <a:r>
-                  <a:rPr lang="en-US" dirty="0">
-                    <a:solidFill>
-                      <a:srgbClr val="404040"/>
-                    </a:solidFill>
-                  </a:rPr>
-                  <a:t> </a:t>
-                </a:r>
-                <a14:m>
-                  <m:oMath xmlns:m="http://schemas.openxmlformats.org/officeDocument/2006/math">
-                    <m:r>
-                      <a:rPr lang="en-US" sz="1800" i="1">
-                        <a:solidFill>
-                          <a:srgbClr val="404040"/>
-                        </a:solidFill>
-                        <a:latin typeface="Cambria Math" panose="02040503050406030204" pitchFamily="18" charset="0"/>
-                      </a:rPr>
-                      <m:t>𝐴𝑐𝑐𝑢𝑟𝑎𝑐𝑦</m:t>
-                    </m:r>
-                    <m:r>
-                      <a:rPr lang="en-US" sz="1800" i="1">
-                        <a:solidFill>
-                          <a:srgbClr val="404040"/>
-                        </a:solidFill>
-                        <a:latin typeface="Cambria Math" panose="02040503050406030204" pitchFamily="18" charset="0"/>
-                      </a:rPr>
-                      <m:t>=|</m:t>
-                    </m:r>
-                    <m:r>
-                      <a:rPr lang="en-US" sz="1800" i="1">
-                        <a:solidFill>
-                          <a:srgbClr val="404040"/>
-                        </a:solidFill>
-                        <a:latin typeface="Cambria Math" panose="02040503050406030204" pitchFamily="18" charset="0"/>
-                      </a:rPr>
-                      <m:t>𝑑𝑒𝑙𝑎</m:t>
-                    </m:r>
-                    <m:sSub>
-                      <m:sSubPr>
-                        <m:ctrlPr>
-                          <a:rPr lang="en-US" sz="1800" i="1">
-                            <a:solidFill>
-                              <a:srgbClr val="404040"/>
-                            </a:solidFill>
-                            <a:latin typeface="Cambria Math" panose="02040503050406030204" pitchFamily="18" charset="0"/>
-                          </a:rPr>
-                        </m:ctrlPr>
-                      </m:sSubPr>
-                      <m:e>
-                        <m:r>
-                          <a:rPr lang="en-US" sz="1800" i="1">
-                            <a:solidFill>
-                              <a:srgbClr val="404040"/>
-                            </a:solidFill>
-                            <a:latin typeface="Cambria Math" panose="02040503050406030204" pitchFamily="18" charset="0"/>
-                          </a:rPr>
-                          <m:t>𝑦</m:t>
-                        </m:r>
-                      </m:e>
-                      <m:sub>
-                        <m:r>
-                          <a:rPr lang="en-US" sz="1800" i="1">
-                            <a:solidFill>
-                              <a:srgbClr val="404040"/>
-                            </a:solidFill>
-                            <a:latin typeface="Cambria Math" panose="02040503050406030204" pitchFamily="18" charset="0"/>
-                          </a:rPr>
-                          <m:t>𝑑𝑒𝑝</m:t>
-                        </m:r>
-                      </m:sub>
-                    </m:sSub>
-                    <m:r>
-                      <a:rPr lang="en-US" sz="1800" b="0" i="1" smtClean="0">
-                        <a:solidFill>
-                          <a:srgbClr val="404040"/>
-                        </a:solidFill>
-                        <a:latin typeface="Cambria Math" panose="02040503050406030204" pitchFamily="18" charset="0"/>
-                      </a:rPr>
-                      <m:t>|</m:t>
-                    </m:r>
-                    <m:r>
-                      <a:rPr lang="en-US" sz="1800" i="1">
-                        <a:solidFill>
-                          <a:srgbClr val="404040"/>
-                        </a:solidFill>
-                        <a:latin typeface="Cambria Math" panose="02040503050406030204" pitchFamily="18" charset="0"/>
-                      </a:rPr>
-                      <m:t>+</m:t>
-                    </m:r>
-                    <m:r>
-                      <a:rPr lang="en-US" sz="1800" b="0" i="1" smtClean="0">
-                        <a:solidFill>
-                          <a:srgbClr val="404040"/>
-                        </a:solidFill>
-                        <a:latin typeface="Cambria Math" panose="02040503050406030204" pitchFamily="18" charset="0"/>
-                      </a:rPr>
-                      <m:t>|</m:t>
-                    </m:r>
-                    <m:r>
-                      <a:rPr lang="en-US" sz="1800" i="1">
-                        <a:solidFill>
-                          <a:srgbClr val="404040"/>
-                        </a:solidFill>
-                        <a:latin typeface="Cambria Math" panose="02040503050406030204" pitchFamily="18" charset="0"/>
-                      </a:rPr>
-                      <m:t>𝑑𝑒𝑙𝑎</m:t>
-                    </m:r>
-                    <m:sSub>
-                      <m:sSubPr>
-                        <m:ctrlPr>
-                          <a:rPr lang="en-US" sz="1800" i="1">
-                            <a:solidFill>
-                              <a:srgbClr val="404040"/>
-                            </a:solidFill>
-                            <a:latin typeface="Cambria Math" panose="02040503050406030204" pitchFamily="18" charset="0"/>
-                          </a:rPr>
-                        </m:ctrlPr>
-                      </m:sSubPr>
-                      <m:e>
-                        <m:r>
-                          <a:rPr lang="en-US" sz="1800" i="1">
-                            <a:solidFill>
-                              <a:srgbClr val="404040"/>
-                            </a:solidFill>
-                            <a:latin typeface="Cambria Math" panose="02040503050406030204" pitchFamily="18" charset="0"/>
-                          </a:rPr>
-                          <m:t>𝑦</m:t>
-                        </m:r>
-                      </m:e>
-                      <m:sub>
-                        <m:r>
-                          <a:rPr lang="en-US" sz="1800" i="1">
-                            <a:solidFill>
-                              <a:srgbClr val="404040"/>
-                            </a:solidFill>
-                            <a:latin typeface="Cambria Math" panose="02040503050406030204" pitchFamily="18" charset="0"/>
-                          </a:rPr>
-                          <m:t>𝑎𝑟𝑟</m:t>
-                        </m:r>
-                      </m:sub>
-                    </m:sSub>
-                    <m:r>
-                      <a:rPr lang="en-US" sz="1800" b="0" i="1" smtClean="0">
-                        <a:solidFill>
-                          <a:srgbClr val="404040"/>
-                        </a:solidFill>
-                        <a:latin typeface="Cambria Math" panose="02040503050406030204" pitchFamily="18" charset="0"/>
-                      </a:rPr>
-                      <m:t>|</m:t>
-                    </m:r>
-                  </m:oMath>
-                </a14:m>
-                <a:endParaRPr lang="en-US" sz="1800" b="0" dirty="0">
-                  <a:solidFill>
-                    <a:srgbClr val="404040"/>
-                  </a:solidFill>
-                </a:endParaRPr>
-              </a:p>
-              <a:p>
-                <a:pPr lvl="1"/>
-                <a:r>
-                  <a:rPr lang="en-US" sz="1600" dirty="0">
-                    <a:solidFill>
-                      <a:srgbClr val="404040"/>
-                    </a:solidFill>
-                  </a:rPr>
-                  <a:t>	 </a:t>
-                </a:r>
-                <a14:m>
-                  <m:oMath xmlns:m="http://schemas.openxmlformats.org/officeDocument/2006/math">
-                    <m:r>
-                      <a:rPr lang="en-US" sz="1800" i="1">
-                        <a:solidFill>
-                          <a:srgbClr val="404040"/>
-                        </a:solidFill>
-                        <a:latin typeface="Cambria Math" panose="02040503050406030204" pitchFamily="18" charset="0"/>
-                      </a:rPr>
-                      <m:t>𝐴𝑐𝑐𝑢𝑟𝑎𝑐𝑦</m:t>
-                    </m:r>
-                    <m:r>
-                      <a:rPr lang="en-US" sz="1800" i="1">
-                        <a:solidFill>
-                          <a:srgbClr val="404040"/>
-                        </a:solidFill>
-                        <a:latin typeface="Cambria Math" panose="02040503050406030204" pitchFamily="18" charset="0"/>
-                      </a:rPr>
-                      <m:t>=</m:t>
-                    </m:r>
-                    <m:rad>
-                      <m:radPr>
-                        <m:degHide m:val="on"/>
-                        <m:ctrlPr>
-                          <a:rPr lang="en-US" sz="1800" i="1" smtClean="0">
-                            <a:solidFill>
-                              <a:srgbClr val="404040"/>
-                            </a:solidFill>
-                            <a:latin typeface="Cambria Math" panose="02040503050406030204" pitchFamily="18" charset="0"/>
-                          </a:rPr>
-                        </m:ctrlPr>
-                      </m:radPr>
-                      <m:deg/>
-                      <m:e>
-                        <m:r>
-                          <a:rPr lang="en-US" sz="1800" i="1">
-                            <a:solidFill>
-                              <a:srgbClr val="404040"/>
-                            </a:solidFill>
-                            <a:latin typeface="Cambria Math" panose="02040503050406030204" pitchFamily="18" charset="0"/>
-                          </a:rPr>
-                          <m:t>𝑑𝑒𝑙𝑎</m:t>
-                        </m:r>
-                        <m:sSubSup>
-                          <m:sSubSupPr>
-                            <m:ctrlPr>
-                              <a:rPr lang="en-US" sz="1800" i="1">
-                                <a:solidFill>
-                                  <a:srgbClr val="404040"/>
-                                </a:solidFill>
-                                <a:latin typeface="Cambria Math" panose="02040503050406030204" pitchFamily="18" charset="0"/>
-                              </a:rPr>
-                            </m:ctrlPr>
-                          </m:sSubSupPr>
-                          <m:e>
-                            <m:r>
-                              <a:rPr lang="en-US" sz="1800" i="1">
-                                <a:solidFill>
-                                  <a:srgbClr val="404040"/>
-                                </a:solidFill>
-                                <a:latin typeface="Cambria Math" panose="02040503050406030204" pitchFamily="18" charset="0"/>
-                              </a:rPr>
-                              <m:t>𝑦</m:t>
-                            </m:r>
-                          </m:e>
-                          <m:sub>
-                            <m:r>
-                              <a:rPr lang="en-US" sz="1800" i="1">
-                                <a:solidFill>
-                                  <a:srgbClr val="404040"/>
-                                </a:solidFill>
-                                <a:latin typeface="Cambria Math" panose="02040503050406030204" pitchFamily="18" charset="0"/>
-                              </a:rPr>
-                              <m:t>𝑑𝑒𝑝</m:t>
-                            </m:r>
-                          </m:sub>
-                          <m:sup>
-                            <m:r>
-                              <a:rPr lang="en-US" sz="1800" i="1">
-                                <a:solidFill>
-                                  <a:srgbClr val="404040"/>
-                                </a:solidFill>
-                                <a:latin typeface="Cambria Math" panose="02040503050406030204" pitchFamily="18" charset="0"/>
-                              </a:rPr>
-                              <m:t>2</m:t>
-                            </m:r>
-                          </m:sup>
-                        </m:sSubSup>
-                        <m:r>
-                          <a:rPr lang="en-US" sz="1800" i="1">
-                            <a:solidFill>
-                              <a:srgbClr val="404040"/>
-                            </a:solidFill>
-                            <a:latin typeface="Cambria Math" panose="02040503050406030204" pitchFamily="18" charset="0"/>
-                          </a:rPr>
-                          <m:t>+</m:t>
-                        </m:r>
-                        <m:r>
-                          <a:rPr lang="en-US" sz="1800" i="1">
-                            <a:solidFill>
-                              <a:srgbClr val="404040"/>
-                            </a:solidFill>
-                            <a:latin typeface="Cambria Math" panose="02040503050406030204" pitchFamily="18" charset="0"/>
-                          </a:rPr>
-                          <m:t>𝑑𝑒𝑙𝑎</m:t>
-                        </m:r>
-                        <m:sSubSup>
-                          <m:sSubSupPr>
-                            <m:ctrlPr>
-                              <a:rPr lang="en-US" sz="1800" i="1">
-                                <a:solidFill>
-                                  <a:srgbClr val="404040"/>
-                                </a:solidFill>
-                                <a:latin typeface="Cambria Math" panose="02040503050406030204" pitchFamily="18" charset="0"/>
-                              </a:rPr>
-                            </m:ctrlPr>
-                          </m:sSubSupPr>
-                          <m:e>
-                            <m:r>
-                              <a:rPr lang="en-US" sz="1800" i="1">
-                                <a:solidFill>
-                                  <a:srgbClr val="404040"/>
-                                </a:solidFill>
-                                <a:latin typeface="Cambria Math" panose="02040503050406030204" pitchFamily="18" charset="0"/>
-                              </a:rPr>
-                              <m:t>𝑦</m:t>
-                            </m:r>
-                          </m:e>
-                          <m:sub>
-                            <m:r>
-                              <a:rPr lang="en-US" sz="1800" i="1">
-                                <a:solidFill>
-                                  <a:srgbClr val="404040"/>
-                                </a:solidFill>
-                                <a:latin typeface="Cambria Math" panose="02040503050406030204" pitchFamily="18" charset="0"/>
-                              </a:rPr>
-                              <m:t>𝑎𝑟𝑟</m:t>
-                            </m:r>
-                          </m:sub>
-                          <m:sup>
-                            <m:r>
-                              <a:rPr lang="en-US" sz="1800" i="1">
-                                <a:solidFill>
-                                  <a:srgbClr val="404040"/>
-                                </a:solidFill>
-                                <a:latin typeface="Cambria Math" panose="02040503050406030204" pitchFamily="18" charset="0"/>
-                              </a:rPr>
-                              <m:t>2</m:t>
-                            </m:r>
-                          </m:sup>
-                        </m:sSubSup>
-                      </m:e>
-                    </m:rad>
-                  </m:oMath>
-                </a14:m>
-                <a:endParaRPr lang="en-US" sz="1800" b="0" dirty="0">
-                  <a:solidFill>
-                    <a:srgbClr val="404040"/>
-                  </a:solidFill>
-                </a:endParaRPr>
-              </a:p>
-              <a:p>
-                <a:pPr marL="800100" lvl="1" indent="-342900">
-                  <a:buFont typeface="Arial" panose="020B0604020202020204" pitchFamily="34" charset="0"/>
-                  <a:buChar char="•"/>
-                </a:pPr>
-                <a:endParaRPr lang="en-US" dirty="0">
-                  <a:solidFill>
-                    <a:srgbClr val="404040"/>
-                  </a:solidFill>
-                </a:endParaRPr>
-              </a:p>
-              <a:p>
-                <a:pPr marL="800100" lvl="1" indent="-342900">
-                  <a:buFont typeface="Arial" panose="020B0604020202020204" pitchFamily="34" charset="0"/>
-                  <a:buChar char="•"/>
-                </a:pPr>
-                <a:r>
-                  <a:rPr lang="en-US" dirty="0">
-                    <a:solidFill>
-                      <a:srgbClr val="404040"/>
-                    </a:solidFill>
-                  </a:rPr>
-                  <a:t>Table First, Graphics Second</a:t>
-                </a:r>
-                <a:endParaRPr lang="en-US" b="0" dirty="0">
-                  <a:solidFill>
-                    <a:srgbClr val="404040"/>
-                  </a:solidFill>
-                </a:endParaRPr>
-              </a:p>
-            </p:txBody>
-          </p:sp>
-        </mc:Choice>
-        <mc:Fallback>
-          <p:sp>
-            <p:nvSpPr>
-              <p:cNvPr id="6" name="TextBox 5">
-                <a:extLst>
-                  <a:ext uri="{FF2B5EF4-FFF2-40B4-BE49-F238E27FC236}">
-                    <a16:creationId xmlns:a16="http://schemas.microsoft.com/office/drawing/2014/main" id="{E828729A-F29C-423D-B49F-097B379344C5}"/>
-                  </a:ext>
-                </a:extLst>
-              </p:cNvPr>
-              <p:cNvSpPr txBox="1">
-                <a:spLocks noRot="1" noChangeAspect="1" noMove="1" noResize="1" noEditPoints="1" noAdjustHandles="1" noChangeArrowheads="1" noChangeShapeType="1" noTextEdit="1"/>
-              </p:cNvSpPr>
-              <p:nvPr/>
-            </p:nvSpPr>
-            <p:spPr>
-              <a:xfrm>
-                <a:off x="4129278" y="548634"/>
-                <a:ext cx="4953000" cy="5755743"/>
-              </a:xfrm>
-              <a:prstGeom prst="rect">
-                <a:avLst/>
-              </a:prstGeom>
-              <a:blipFill>
-                <a:blip r:embed="rId4"/>
-                <a:stretch>
-                  <a:fillRect l="-1599" t="-742" r="-738" b="-1589"/>
-                </a:stretch>
-              </a:blipFill>
-            </p:spPr>
-            <p:txBody>
-              <a:bodyPr/>
-              <a:lstStyle/>
-              <a:p>
-                <a:r>
-                  <a:rPr lang="en-US">
-                    <a:noFill/>
-                  </a:rPr>
-                  <a:t> </a:t>
-                </a:r>
-              </a:p>
-            </p:txBody>
-          </p:sp>
-        </mc:Fallback>
-      </mc:AlternateContent>
+          <a:p>
+            <a:pPr indent="-228600" defTabSz="914400" eaLnBrk="1" hangingPunct="1">
+              <a:lnSpc>
+                <a:spcPct val="90000"/>
+              </a:lnSpc>
+              <a:buFont typeface="Arial" panose="020B0604020202020204" pitchFamily="34" charset="0"/>
+              <a:buChar char="•"/>
+            </a:pPr>
+            <a:endParaRPr lang="en-US" sz="2000" dirty="0">
+              <a:solidFill>
+                <a:srgbClr val="404040"/>
+              </a:solidFill>
+              <a:ea typeface="+mn-ea"/>
+              <a:cs typeface="+mn-cs"/>
+            </a:endParaRPr>
+          </a:p>
+        </p:txBody>
+      </p:sp>
+      <p:sp>
+        <p:nvSpPr>
+          <p:cNvPr id="10" name="Content Placeholder 2">
+            <a:extLst>
+              <a:ext uri="{FF2B5EF4-FFF2-40B4-BE49-F238E27FC236}">
+                <a16:creationId xmlns:a16="http://schemas.microsoft.com/office/drawing/2014/main" id="{10754C74-871F-42E2-A79F-10B9CCA16CD5}"/>
+              </a:ext>
+            </a:extLst>
+          </p:cNvPr>
+          <p:cNvSpPr txBox="1">
+            <a:spLocks/>
+          </p:cNvSpPr>
+          <p:nvPr/>
+        </p:nvSpPr>
+        <p:spPr bwMode="auto">
+          <a:xfrm>
+            <a:off x="3973322" y="643466"/>
+            <a:ext cx="4851400" cy="5953916"/>
+          </a:xfrm>
+          <a:prstGeom prst="rect">
+            <a:avLst/>
+          </a:prstGeom>
+        </p:spPr>
+        <p:txBody>
+          <a:bodyPr vert="horz" lIns="91440" tIns="45720" rIns="91440" bIns="45720" numCol="1" rtlCol="0" anchorCtr="0" compatLnSpc="1">
+            <a:prstTxWarp prst="textNoShape">
+              <a:avLst/>
+            </a:prstTxWarp>
+            <a:noAutofit/>
+          </a:bodyPr>
+          <a:lstStyle>
+            <a:lvl1pPr marL="342900" indent="-342900" algn="l" defTabSz="457200" rtl="0" eaLnBrk="0" fontAlgn="base" hangingPunct="0">
+              <a:spcBef>
+                <a:spcPct val="20000"/>
+              </a:spcBef>
+              <a:spcAft>
+                <a:spcPct val="0"/>
+              </a:spcAft>
+              <a:buFont typeface="Arial" charset="0"/>
+              <a:buChar char="•"/>
+              <a:defRPr sz="3200" kern="1200">
+                <a:solidFill>
+                  <a:schemeClr val="tx1"/>
+                </a:solidFill>
+                <a:latin typeface="+mn-lt"/>
+                <a:ea typeface="ＭＳ Ｐゴシック" pitchFamily="-109" charset="-128"/>
+                <a:cs typeface="ＭＳ Ｐゴシック" pitchFamily="-109" charset="-128"/>
+              </a:defRPr>
+            </a:lvl1pPr>
+            <a:lvl2pPr marL="742950" indent="-285750" algn="l" defTabSz="457200" rtl="0" eaLnBrk="0" fontAlgn="base" hangingPunct="0">
+              <a:spcBef>
+                <a:spcPct val="20000"/>
+              </a:spcBef>
+              <a:spcAft>
+                <a:spcPct val="0"/>
+              </a:spcAft>
+              <a:buFont typeface="Arial" charset="0"/>
+              <a:buChar char="–"/>
+              <a:defRPr sz="2800" kern="1200">
+                <a:solidFill>
+                  <a:schemeClr val="tx1"/>
+                </a:solidFill>
+                <a:latin typeface="+mn-lt"/>
+                <a:ea typeface="ＭＳ Ｐゴシック" pitchFamily="-109" charset="-128"/>
+                <a:cs typeface="+mn-cs"/>
+              </a:defRPr>
+            </a:lvl2pPr>
+            <a:lvl3pPr marL="1143000" indent="-228600" algn="l" defTabSz="457200" rtl="0" eaLnBrk="0" fontAlgn="base" hangingPunct="0">
+              <a:spcBef>
+                <a:spcPct val="20000"/>
+              </a:spcBef>
+              <a:spcAft>
+                <a:spcPct val="0"/>
+              </a:spcAft>
+              <a:buFont typeface="Arial" charset="0"/>
+              <a:buChar char="•"/>
+              <a:defRPr sz="2400" kern="1200">
+                <a:solidFill>
+                  <a:schemeClr val="tx1"/>
+                </a:solidFill>
+                <a:latin typeface="+mn-lt"/>
+                <a:ea typeface="ＭＳ Ｐゴシック" pitchFamily="-109" charset="-128"/>
+                <a:cs typeface="+mn-cs"/>
+              </a:defRPr>
+            </a:lvl3pPr>
+            <a:lvl4pPr marL="1600200" indent="-228600" algn="l" defTabSz="457200" rtl="0" eaLnBrk="0" fontAlgn="base" hangingPunct="0">
+              <a:spcBef>
+                <a:spcPct val="20000"/>
+              </a:spcBef>
+              <a:spcAft>
+                <a:spcPct val="0"/>
+              </a:spcAft>
+              <a:buFont typeface="Arial" charset="0"/>
+              <a:buChar char="–"/>
+              <a:defRPr sz="2000" kern="1200">
+                <a:solidFill>
+                  <a:schemeClr val="tx1"/>
+                </a:solidFill>
+                <a:latin typeface="+mn-lt"/>
+                <a:ea typeface="ＭＳ Ｐゴシック" pitchFamily="-109" charset="-128"/>
+                <a:cs typeface="+mn-cs"/>
+              </a:defRPr>
+            </a:lvl4pPr>
+            <a:lvl5pPr marL="2057400" indent="-228600" algn="l" defTabSz="457200" rtl="0" eaLnBrk="0" fontAlgn="base" hangingPunct="0">
+              <a:spcBef>
+                <a:spcPct val="20000"/>
+              </a:spcBef>
+              <a:spcAft>
+                <a:spcPct val="0"/>
+              </a:spcAft>
+              <a:buFont typeface="Arial" charset="0"/>
+              <a:buChar char="»"/>
+              <a:defRPr sz="2000" kern="1200">
+                <a:solidFill>
+                  <a:schemeClr val="tx1"/>
+                </a:solidFill>
+                <a:latin typeface="+mn-lt"/>
+                <a:ea typeface="ＭＳ Ｐゴシック" pitchFamily="-109" charset="-128"/>
+                <a:cs typeface="+mn-cs"/>
+              </a:defRPr>
+            </a:lvl5pPr>
+            <a:lvl6pPr marL="2514600" indent="-228600" algn="l" defTabSz="457200" rtl="0" eaLnBrk="1" latinLnBrk="0" hangingPunct="1">
+              <a:spcBef>
+                <a:spcPct val="20000"/>
+              </a:spcBef>
+              <a:buFont typeface="Arial"/>
+              <a:buChar char="•"/>
+              <a:defRPr sz="2000" kern="1200">
+                <a:solidFill>
+                  <a:schemeClr val="tx1"/>
+                </a:solidFill>
+                <a:latin typeface="+mn-lt"/>
+                <a:ea typeface="+mn-ea"/>
+                <a:cs typeface="+mn-cs"/>
+              </a:defRPr>
+            </a:lvl6pPr>
+            <a:lvl7pPr marL="2971800" indent="-228600" algn="l" defTabSz="457200" rtl="0" eaLnBrk="1" latinLnBrk="0" hangingPunct="1">
+              <a:spcBef>
+                <a:spcPct val="20000"/>
+              </a:spcBef>
+              <a:buFont typeface="Arial"/>
+              <a:buChar char="•"/>
+              <a:defRPr sz="2000" kern="1200">
+                <a:solidFill>
+                  <a:schemeClr val="tx1"/>
+                </a:solidFill>
+                <a:latin typeface="+mn-lt"/>
+                <a:ea typeface="+mn-ea"/>
+                <a:cs typeface="+mn-cs"/>
+              </a:defRPr>
+            </a:lvl7pPr>
+            <a:lvl8pPr marL="3429000" indent="-228600" algn="l" defTabSz="457200" rtl="0" eaLnBrk="1" latinLnBrk="0" hangingPunct="1">
+              <a:spcBef>
+                <a:spcPct val="20000"/>
+              </a:spcBef>
+              <a:buFont typeface="Arial"/>
+              <a:buChar char="•"/>
+              <a:defRPr sz="2000" kern="1200">
+                <a:solidFill>
+                  <a:schemeClr val="tx1"/>
+                </a:solidFill>
+                <a:latin typeface="+mn-lt"/>
+                <a:ea typeface="+mn-ea"/>
+                <a:cs typeface="+mn-cs"/>
+              </a:defRPr>
+            </a:lvl8pPr>
+            <a:lvl9pPr marL="3886200" indent="-228600" algn="l" defTabSz="457200" rtl="0" eaLnBrk="1" latinLnBrk="0" hangingPunct="1">
+              <a:spcBef>
+                <a:spcPct val="20000"/>
+              </a:spcBef>
+              <a:buFont typeface="Arial"/>
+              <a:buChar char="•"/>
+              <a:defRPr sz="2000" kern="1200">
+                <a:solidFill>
+                  <a:schemeClr val="tx1"/>
+                </a:solidFill>
+                <a:latin typeface="+mn-lt"/>
+                <a:ea typeface="+mn-ea"/>
+                <a:cs typeface="+mn-cs"/>
+              </a:defRPr>
+            </a:lvl9pPr>
+          </a:lstStyle>
+          <a:p>
+            <a:pPr marL="114300" indent="0" defTabSz="914400" eaLnBrk="1" hangingPunct="1">
+              <a:lnSpc>
+                <a:spcPct val="90000"/>
+              </a:lnSpc>
+              <a:buNone/>
+            </a:pPr>
+            <a:r>
+              <a:rPr lang="en-US" sz="7200" dirty="0">
+                <a:solidFill>
+                  <a:srgbClr val="404040"/>
+                </a:solidFill>
+                <a:ea typeface="+mn-ea"/>
+                <a:cs typeface="+mn-cs"/>
+              </a:rPr>
+              <a:t>Disperse and Make Reasonable Decisions</a:t>
+            </a:r>
+          </a:p>
+          <a:p>
+            <a:pPr indent="-228600" defTabSz="914400" eaLnBrk="1" hangingPunct="1">
+              <a:lnSpc>
+                <a:spcPct val="90000"/>
+              </a:lnSpc>
+              <a:buFont typeface="Arial" panose="020B0604020202020204" pitchFamily="34" charset="0"/>
+              <a:buChar char="•"/>
+            </a:pPr>
+            <a:endParaRPr lang="en-US" sz="7200" dirty="0">
+              <a:solidFill>
+                <a:srgbClr val="404040"/>
+              </a:solidFill>
+              <a:ea typeface="+mn-ea"/>
+              <a:cs typeface="+mn-cs"/>
+            </a:endParaRPr>
+          </a:p>
+          <a:p>
+            <a:pPr indent="-228600" defTabSz="914400" eaLnBrk="1" hangingPunct="1">
+              <a:lnSpc>
+                <a:spcPct val="90000"/>
+              </a:lnSpc>
+              <a:buFont typeface="Arial" panose="020B0604020202020204" pitchFamily="34" charset="0"/>
+              <a:buChar char="•"/>
+            </a:pPr>
+            <a:endParaRPr lang="en-US" sz="7200" dirty="0">
+              <a:solidFill>
+                <a:srgbClr val="404040"/>
+              </a:solidFill>
+              <a:ea typeface="+mn-ea"/>
+              <a:cs typeface="+mn-cs"/>
+            </a:endParaRPr>
+          </a:p>
+          <a:p>
+            <a:pPr indent="-228600" defTabSz="914400" eaLnBrk="1" hangingPunct="1">
+              <a:lnSpc>
+                <a:spcPct val="90000"/>
+              </a:lnSpc>
+              <a:buFont typeface="Arial" panose="020B0604020202020204" pitchFamily="34" charset="0"/>
+              <a:buChar char="•"/>
+            </a:pPr>
+            <a:endParaRPr lang="en-US" sz="7200" dirty="0">
+              <a:solidFill>
+                <a:srgbClr val="404040"/>
+              </a:solidFill>
+              <a:ea typeface="+mn-ea"/>
+              <a:cs typeface="+mn-cs"/>
+            </a:endParaRPr>
+          </a:p>
+          <a:p>
+            <a:pPr indent="-228600" defTabSz="914400" eaLnBrk="1" hangingPunct="1">
+              <a:lnSpc>
+                <a:spcPct val="90000"/>
+              </a:lnSpc>
+              <a:buFont typeface="Arial" panose="020B0604020202020204" pitchFamily="34" charset="0"/>
+              <a:buChar char="•"/>
+            </a:pPr>
+            <a:endParaRPr lang="en-US" sz="7200" dirty="0">
+              <a:solidFill>
+                <a:srgbClr val="404040"/>
+              </a:solidFill>
+              <a:ea typeface="+mn-ea"/>
+              <a:cs typeface="+mn-cs"/>
+            </a:endParaRPr>
+          </a:p>
+        </p:txBody>
+      </p:sp>
     </p:spTree>
     <p:custDataLst>
       <p:tags r:id="rId1"/>
     </p:custDataLst>
     <p:extLst>
       <p:ext uri="{BB962C8B-B14F-4D97-AF65-F5344CB8AC3E}">
-        <p14:creationId xmlns:p14="http://schemas.microsoft.com/office/powerpoint/2010/main" val="229741462"/>
-      </p:ext>
-    </p:extLst>
-  </p:cSld>
-  <p:clrMapOvr>
-    <a:masterClrMapping/>
-  </p:clrMapOvr>
-</p:sld>
-</file>
-
-<file path=ppt/slides/slide16.xml><?xml version="1.0" encoding="utf-8"?>
-<p:sld xmlns:a="http://schemas.openxmlformats.org/drawingml/2006/main" xmlns:r="http://schemas.openxmlformats.org/officeDocument/2006/relationships" xmlns:p="http://schemas.openxmlformats.org/presentationml/2006/main">
-  <p:cSld>
-    <p:bg>
-      <p:bgPr>
-        <a:solidFill>
-          <a:schemeClr val="bg1">
-            <a:lumMod val="85000"/>
-          </a:schemeClr>
-        </a:solidFill>
-        <a:effectLst/>
-      </p:bgPr>
-    </p:bg>
-    <p:spTree>
-      <p:nvGrpSpPr>
-        <p:cNvPr id="1" name=""/>
-        <p:cNvGrpSpPr/>
-        <p:nvPr/>
-      </p:nvGrpSpPr>
-      <p:grpSpPr>
-        <a:xfrm>
-          <a:off x="0" y="0"/>
-          <a:ext cx="0" cy="0"/>
-          <a:chOff x="0" y="0"/>
-          <a:chExt cx="0" cy="0"/>
-        </a:xfrm>
-      </p:grpSpPr>
-      <p:sp>
-        <p:nvSpPr>
-          <p:cNvPr id="15" name="Rectangle 12">
-            <a:extLst>
-              <a:ext uri="{FF2B5EF4-FFF2-40B4-BE49-F238E27FC236}">
-                <a16:creationId xmlns:a16="http://schemas.microsoft.com/office/drawing/2014/main" id="{867D4867-5BA7-4462-B2F6-A23F4A622AA7}"/>
-              </a:ext>
-              <a:ext uri="{C183D7F6-B498-43B3-948B-1728B52AA6E4}">
-                <adec:decorative xmlns:adec="http://schemas.microsoft.com/office/drawing/2017/decorative" val="1"/>
-              </a:ext>
-            </a:extLst>
-          </p:cNvPr>
-          <p:cNvSpPr>
-            <a:spLocks noGrp="1" noRot="1" noChangeAspect="1" noMove="1" noResize="1" noEditPoints="1" noAdjustHandles="1" noChangeArrowheads="1" noChangeShapeType="1" noTextEdit="1"/>
-          </p:cNvSpPr>
-          <p:nvPr>
-            <p:extLst>
-              <p:ext uri="{386F3935-93C4-4BCD-93E2-E3B085C9AB24}">
-                <p16:designElem xmlns:p16="http://schemas.microsoft.com/office/powerpoint/2015/main" val="1"/>
-              </p:ext>
-            </p:extLst>
-          </p:nvPr>
-        </p:nvSpPr>
-        <p:spPr>
-          <a:xfrm>
-            <a:off x="0" y="0"/>
-            <a:ext cx="3490722" cy="6858000"/>
-          </a:xfrm>
-          <a:prstGeom prst="rect">
-            <a:avLst/>
-          </a:prstGeom>
-          <a:solidFill>
-            <a:schemeClr val="tx1">
-              <a:lumMod val="75000"/>
-              <a:lumOff val="25000"/>
-            </a:schemeClr>
-          </a:solidFill>
-          <a:ln>
-            <a:noFill/>
-          </a:ln>
-        </p:spPr>
-        <p:style>
-          <a:lnRef idx="0">
-            <a:scrgbClr r="0" g="0" b="0"/>
-          </a:lnRef>
-          <a:fillRef idx="0">
-            <a:scrgbClr r="0" g="0" b="0"/>
-          </a:fillRef>
-          <a:effectRef idx="0">
-            <a:scrgbClr r="0" g="0" b="0"/>
-          </a:effectRef>
-          <a:fontRef idx="minor">
-            <a:schemeClr val="lt1"/>
-          </a:fontRef>
-        </p:style>
-        <p:txBody>
-          <a:bodyPr rtlCol="0" anchor="ctr"/>
-          <a:lstStyle/>
-          <a:p>
-            <a:pPr algn="ctr"/>
-            <a:endParaRPr lang="en-US"/>
-          </a:p>
-        </p:txBody>
-      </p:sp>
-      <p:sp>
-        <p:nvSpPr>
-          <p:cNvPr id="2" name="Title 1"/>
-          <p:cNvSpPr>
-            <a:spLocks noGrp="1"/>
-          </p:cNvSpPr>
-          <p:nvPr>
-            <p:ph type="title"/>
-          </p:nvPr>
-        </p:nvSpPr>
-        <p:spPr>
-          <a:xfrm>
-            <a:off x="482600" y="643467"/>
-            <a:ext cx="2522980" cy="1597315"/>
-          </a:xfrm>
-          <a:noFill/>
-          <a:ln w="19050">
-            <a:solidFill>
-              <a:schemeClr val="bg1"/>
-            </a:solidFill>
-          </a:ln>
-        </p:spPr>
-        <p:txBody>
-          <a:bodyPr vert="horz" wrap="square" lIns="91440" tIns="45720" rIns="91440" bIns="45720" rtlCol="0" anchor="ctr">
-            <a:normAutofit/>
-          </a:bodyPr>
-          <a:lstStyle/>
-          <a:p>
-            <a:pPr defTabSz="914400" eaLnBrk="1" hangingPunct="1">
-              <a:lnSpc>
-                <a:spcPct val="90000"/>
-              </a:lnSpc>
-            </a:pPr>
-            <a:r>
-              <a:rPr lang="en-US" sz="2400" dirty="0">
-                <a:solidFill>
-                  <a:schemeClr val="bg1"/>
-                </a:solidFill>
-                <a:ea typeface="+mj-ea"/>
-                <a:cs typeface="+mj-cs"/>
-              </a:rPr>
-              <a:t>Case Study</a:t>
-            </a:r>
-            <a:endParaRPr lang="en-US" sz="2400" kern="1200" dirty="0">
-              <a:solidFill>
-                <a:schemeClr val="bg1"/>
-              </a:solidFill>
-              <a:latin typeface="+mj-lt"/>
-              <a:ea typeface="+mj-ea"/>
-              <a:cs typeface="+mj-cs"/>
-            </a:endParaRPr>
-          </a:p>
-        </p:txBody>
-      </p:sp>
-      <p:pic>
-        <p:nvPicPr>
-          <p:cNvPr id="8" name="Picture 7">
-            <a:extLst>
-              <a:ext uri="{FF2B5EF4-FFF2-40B4-BE49-F238E27FC236}">
-                <a16:creationId xmlns:a16="http://schemas.microsoft.com/office/drawing/2014/main" id="{521D4292-9ECC-4DA5-8CC0-C561A0DA118E}"/>
-              </a:ext>
-            </a:extLst>
-          </p:cNvPr>
-          <p:cNvPicPr>
-            <a:picLocks noChangeAspect="1"/>
-          </p:cNvPicPr>
-          <p:nvPr/>
-        </p:nvPicPr>
-        <p:blipFill rotWithShape="1">
-          <a:blip r:embed="rId3"/>
-          <a:srcRect l="8000" r="9400"/>
-          <a:stretch/>
-        </p:blipFill>
-        <p:spPr>
-          <a:xfrm>
-            <a:off x="660103" y="3048000"/>
-            <a:ext cx="2167974" cy="2624666"/>
-          </a:xfrm>
-          <a:prstGeom prst="rect">
-            <a:avLst/>
-          </a:prstGeom>
-          <a:noFill/>
-        </p:spPr>
-      </p:pic>
-      <p:sp>
-        <p:nvSpPr>
-          <p:cNvPr id="4" name="TextBox 3">
-            <a:extLst>
-              <a:ext uri="{FF2B5EF4-FFF2-40B4-BE49-F238E27FC236}">
-                <a16:creationId xmlns:a16="http://schemas.microsoft.com/office/drawing/2014/main" id="{9B70DD5F-80AF-47A6-9622-DF0880C2AE63}"/>
-              </a:ext>
-            </a:extLst>
-          </p:cNvPr>
-          <p:cNvSpPr txBox="1"/>
-          <p:nvPr/>
-        </p:nvSpPr>
-        <p:spPr>
-          <a:xfrm>
-            <a:off x="3810000" y="643467"/>
-            <a:ext cx="4953000" cy="461665"/>
-          </a:xfrm>
-          <a:prstGeom prst="rect">
-            <a:avLst/>
-          </a:prstGeom>
-          <a:noFill/>
-        </p:spPr>
-        <p:txBody>
-          <a:bodyPr wrap="square" rtlCol="0">
-            <a:spAutoFit/>
-          </a:bodyPr>
-          <a:lstStyle/>
-          <a:p>
-            <a:pPr marL="342900" indent="-342900">
-              <a:buFont typeface="Arial" panose="020B0604020202020204" pitchFamily="34" charset="0"/>
-              <a:buChar char="•"/>
-            </a:pPr>
-            <a:endParaRPr lang="en-US" dirty="0">
-              <a:solidFill>
-                <a:srgbClr val="404040"/>
-              </a:solidFill>
-            </a:endParaRPr>
-          </a:p>
-        </p:txBody>
-      </p:sp>
-      <p:sp>
-        <p:nvSpPr>
-          <p:cNvPr id="6" name="TextBox 5">
-            <a:extLst>
-              <a:ext uri="{FF2B5EF4-FFF2-40B4-BE49-F238E27FC236}">
-                <a16:creationId xmlns:a16="http://schemas.microsoft.com/office/drawing/2014/main" id="{E828729A-F29C-423D-B49F-097B379344C5}"/>
-              </a:ext>
-            </a:extLst>
-          </p:cNvPr>
-          <p:cNvSpPr txBox="1"/>
-          <p:nvPr/>
-        </p:nvSpPr>
-        <p:spPr>
-          <a:xfrm>
-            <a:off x="4129278" y="548634"/>
-            <a:ext cx="4953000" cy="3416320"/>
-          </a:xfrm>
-          <a:prstGeom prst="rect">
-            <a:avLst/>
-          </a:prstGeom>
-          <a:noFill/>
-        </p:spPr>
-        <p:txBody>
-          <a:bodyPr wrap="square" rtlCol="0">
-            <a:spAutoFit/>
-          </a:bodyPr>
-          <a:lstStyle/>
-          <a:p>
-            <a:pPr marL="342900" indent="-342900">
-              <a:buFont typeface="Arial" panose="020B0604020202020204" pitchFamily="34" charset="0"/>
-              <a:buChar char="•"/>
-            </a:pPr>
-            <a:r>
-              <a:rPr lang="en-US" dirty="0">
-                <a:solidFill>
-                  <a:srgbClr val="404040"/>
-                </a:solidFill>
-              </a:rPr>
-              <a:t>Summary Table</a:t>
-            </a:r>
-          </a:p>
-          <a:p>
-            <a:endParaRPr lang="en-US" dirty="0">
-              <a:solidFill>
-                <a:srgbClr val="404040"/>
-              </a:solidFill>
-            </a:endParaRPr>
-          </a:p>
-          <a:p>
-            <a:pPr marL="800100" lvl="1" indent="-342900">
-              <a:buFont typeface="Arial" panose="020B0604020202020204" pitchFamily="34" charset="0"/>
-              <a:buChar char="•"/>
-            </a:pPr>
-            <a:r>
-              <a:rPr lang="en-US" dirty="0">
-                <a:solidFill>
-                  <a:srgbClr val="404040"/>
-                </a:solidFill>
-              </a:rPr>
-              <a:t>Step 1: Accuracy Variable</a:t>
-            </a:r>
-          </a:p>
-          <a:p>
-            <a:pPr marL="800100" lvl="1" indent="-342900">
-              <a:buFont typeface="Arial" panose="020B0604020202020204" pitchFamily="34" charset="0"/>
-              <a:buChar char="•"/>
-            </a:pPr>
-            <a:r>
-              <a:rPr lang="en-US" dirty="0">
-                <a:solidFill>
-                  <a:srgbClr val="404040"/>
-                </a:solidFill>
-              </a:rPr>
-              <a:t>Step 2: Grouping</a:t>
-            </a:r>
-          </a:p>
-          <a:p>
-            <a:pPr marL="800100" lvl="1" indent="-342900">
-              <a:buFont typeface="Arial" panose="020B0604020202020204" pitchFamily="34" charset="0"/>
-              <a:buChar char="•"/>
-            </a:pPr>
-            <a:r>
-              <a:rPr lang="en-US" dirty="0">
-                <a:solidFill>
-                  <a:srgbClr val="404040"/>
-                </a:solidFill>
-              </a:rPr>
-              <a:t>Step 3: Summarize Info</a:t>
-            </a:r>
-          </a:p>
-          <a:p>
-            <a:pPr marL="1257300" lvl="2" indent="-342900">
-              <a:buFont typeface="Arial" panose="020B0604020202020204" pitchFamily="34" charset="0"/>
-              <a:buChar char="•"/>
-            </a:pPr>
-            <a:r>
-              <a:rPr lang="en-US" dirty="0">
-                <a:solidFill>
-                  <a:srgbClr val="404040"/>
-                </a:solidFill>
-              </a:rPr>
-              <a:t>Mean</a:t>
-            </a:r>
-          </a:p>
-          <a:p>
-            <a:pPr marL="1257300" lvl="2" indent="-342900">
-              <a:buFont typeface="Arial" panose="020B0604020202020204" pitchFamily="34" charset="0"/>
-              <a:buChar char="•"/>
-            </a:pPr>
-            <a:r>
-              <a:rPr lang="en-US" dirty="0">
-                <a:solidFill>
-                  <a:srgbClr val="404040"/>
-                </a:solidFill>
-              </a:rPr>
-              <a:t>Standard Error</a:t>
-            </a:r>
-          </a:p>
-          <a:p>
-            <a:pPr marL="1257300" lvl="2" indent="-342900">
-              <a:buFont typeface="Arial" panose="020B0604020202020204" pitchFamily="34" charset="0"/>
-              <a:buChar char="•"/>
-            </a:pPr>
-            <a:r>
-              <a:rPr lang="en-US" dirty="0">
-                <a:solidFill>
-                  <a:srgbClr val="404040"/>
-                </a:solidFill>
-              </a:rPr>
-              <a:t>Lower Bound (95% CI)</a:t>
-            </a:r>
-          </a:p>
-          <a:p>
-            <a:pPr marL="1257300" lvl="2" indent="-342900">
-              <a:buFont typeface="Arial" panose="020B0604020202020204" pitchFamily="34" charset="0"/>
-              <a:buChar char="•"/>
-            </a:pPr>
-            <a:r>
-              <a:rPr lang="en-US" dirty="0">
-                <a:solidFill>
-                  <a:srgbClr val="404040"/>
-                </a:solidFill>
-              </a:rPr>
-              <a:t>Upper Bound (95% CI) </a:t>
-            </a:r>
-          </a:p>
-        </p:txBody>
-      </p:sp>
-      <p:pic>
-        <p:nvPicPr>
-          <p:cNvPr id="3" name="Picture 2">
-            <a:extLst>
-              <a:ext uri="{FF2B5EF4-FFF2-40B4-BE49-F238E27FC236}">
-                <a16:creationId xmlns:a16="http://schemas.microsoft.com/office/drawing/2014/main" id="{0AE24FF2-B943-447C-A4E4-EF56A025CC14}"/>
-              </a:ext>
-            </a:extLst>
-          </p:cNvPr>
-          <p:cNvPicPr>
-            <a:picLocks noChangeAspect="1"/>
-          </p:cNvPicPr>
-          <p:nvPr/>
-        </p:nvPicPr>
-        <p:blipFill>
-          <a:blip r:embed="rId4"/>
-          <a:stretch>
-            <a:fillRect/>
-          </a:stretch>
-        </p:blipFill>
-        <p:spPr>
-          <a:xfrm>
-            <a:off x="3581399" y="4020226"/>
-            <a:ext cx="5492965" cy="2532974"/>
-          </a:xfrm>
-          <a:prstGeom prst="rect">
-            <a:avLst/>
-          </a:prstGeom>
-          <a:ln>
-            <a:solidFill>
-              <a:srgbClr val="404040"/>
-            </a:solidFill>
-          </a:ln>
-        </p:spPr>
-        <p:style>
-          <a:lnRef idx="2">
-            <a:schemeClr val="dk1"/>
-          </a:lnRef>
-          <a:fillRef idx="1">
-            <a:schemeClr val="lt1"/>
-          </a:fillRef>
-          <a:effectRef idx="0">
-            <a:schemeClr val="dk1"/>
-          </a:effectRef>
-          <a:fontRef idx="minor">
-            <a:schemeClr val="dk1"/>
-          </a:fontRef>
-        </p:style>
-      </p:pic>
-    </p:spTree>
-    <p:custDataLst>
-      <p:tags r:id="rId1"/>
-    </p:custDataLst>
-    <p:extLst>
-      <p:ext uri="{BB962C8B-B14F-4D97-AF65-F5344CB8AC3E}">
-        <p14:creationId xmlns:p14="http://schemas.microsoft.com/office/powerpoint/2010/main" val="3818091161"/>
-      </p:ext>
-    </p:extLst>
-  </p:cSld>
-  <p:clrMapOvr>
-    <a:masterClrMapping/>
-  </p:clrMapOvr>
-</p:sld>
-</file>
-
-<file path=ppt/slides/slide17.xml><?xml version="1.0" encoding="utf-8"?>
-<p:sld xmlns:a="http://schemas.openxmlformats.org/drawingml/2006/main" xmlns:r="http://schemas.openxmlformats.org/officeDocument/2006/relationships" xmlns:p="http://schemas.openxmlformats.org/presentationml/2006/main">
-  <p:cSld>
-    <p:bg>
-      <p:bgPr>
-        <a:solidFill>
-          <a:schemeClr val="bg1">
-            <a:lumMod val="85000"/>
-          </a:schemeClr>
-        </a:solidFill>
-        <a:effectLst/>
-      </p:bgPr>
-    </p:bg>
-    <p:spTree>
-      <p:nvGrpSpPr>
-        <p:cNvPr id="1" name=""/>
-        <p:cNvGrpSpPr/>
-        <p:nvPr/>
-      </p:nvGrpSpPr>
-      <p:grpSpPr>
-        <a:xfrm>
-          <a:off x="0" y="0"/>
-          <a:ext cx="0" cy="0"/>
-          <a:chOff x="0" y="0"/>
-          <a:chExt cx="0" cy="0"/>
-        </a:xfrm>
-      </p:grpSpPr>
-      <p:sp>
-        <p:nvSpPr>
-          <p:cNvPr id="15" name="Rectangle 12">
-            <a:extLst>
-              <a:ext uri="{FF2B5EF4-FFF2-40B4-BE49-F238E27FC236}">
-                <a16:creationId xmlns:a16="http://schemas.microsoft.com/office/drawing/2014/main" id="{867D4867-5BA7-4462-B2F6-A23F4A622AA7}"/>
-              </a:ext>
-              <a:ext uri="{C183D7F6-B498-43B3-948B-1728B52AA6E4}">
-                <adec:decorative xmlns:adec="http://schemas.microsoft.com/office/drawing/2017/decorative" val="1"/>
-              </a:ext>
-            </a:extLst>
-          </p:cNvPr>
-          <p:cNvSpPr>
-            <a:spLocks noGrp="1" noRot="1" noChangeAspect="1" noMove="1" noResize="1" noEditPoints="1" noAdjustHandles="1" noChangeArrowheads="1" noChangeShapeType="1" noTextEdit="1"/>
-          </p:cNvSpPr>
-          <p:nvPr>
-            <p:extLst>
-              <p:ext uri="{386F3935-93C4-4BCD-93E2-E3B085C9AB24}">
-                <p16:designElem xmlns:p16="http://schemas.microsoft.com/office/powerpoint/2015/main" val="1"/>
-              </p:ext>
-            </p:extLst>
-          </p:nvPr>
-        </p:nvSpPr>
-        <p:spPr>
-          <a:xfrm>
-            <a:off x="0" y="0"/>
-            <a:ext cx="3490722" cy="6858000"/>
-          </a:xfrm>
-          <a:prstGeom prst="rect">
-            <a:avLst/>
-          </a:prstGeom>
-          <a:solidFill>
-            <a:schemeClr val="tx1">
-              <a:lumMod val="75000"/>
-              <a:lumOff val="25000"/>
-            </a:schemeClr>
-          </a:solidFill>
-          <a:ln>
-            <a:noFill/>
-          </a:ln>
-        </p:spPr>
-        <p:style>
-          <a:lnRef idx="0">
-            <a:scrgbClr r="0" g="0" b="0"/>
-          </a:lnRef>
-          <a:fillRef idx="0">
-            <a:scrgbClr r="0" g="0" b="0"/>
-          </a:fillRef>
-          <a:effectRef idx="0">
-            <a:scrgbClr r="0" g="0" b="0"/>
-          </a:effectRef>
-          <a:fontRef idx="minor">
-            <a:schemeClr val="lt1"/>
-          </a:fontRef>
-        </p:style>
-        <p:txBody>
-          <a:bodyPr rtlCol="0" anchor="ctr"/>
-          <a:lstStyle/>
-          <a:p>
-            <a:pPr algn="ctr"/>
-            <a:endParaRPr lang="en-US"/>
-          </a:p>
-        </p:txBody>
-      </p:sp>
-      <p:sp>
-        <p:nvSpPr>
-          <p:cNvPr id="2" name="Title 1"/>
-          <p:cNvSpPr>
-            <a:spLocks noGrp="1"/>
-          </p:cNvSpPr>
-          <p:nvPr>
-            <p:ph type="title"/>
-          </p:nvPr>
-        </p:nvSpPr>
-        <p:spPr>
-          <a:xfrm>
-            <a:off x="482600" y="643467"/>
-            <a:ext cx="2522980" cy="1597315"/>
-          </a:xfrm>
-          <a:noFill/>
-          <a:ln w="19050">
-            <a:solidFill>
-              <a:schemeClr val="bg1"/>
-            </a:solidFill>
-          </a:ln>
-        </p:spPr>
-        <p:txBody>
-          <a:bodyPr vert="horz" wrap="square" lIns="91440" tIns="45720" rIns="91440" bIns="45720" rtlCol="0" anchor="ctr">
-            <a:normAutofit/>
-          </a:bodyPr>
-          <a:lstStyle/>
-          <a:p>
-            <a:pPr defTabSz="914400" eaLnBrk="1" hangingPunct="1">
-              <a:lnSpc>
-                <a:spcPct val="90000"/>
-              </a:lnSpc>
-            </a:pPr>
-            <a:r>
-              <a:rPr lang="en-US" sz="2400" dirty="0">
-                <a:solidFill>
-                  <a:schemeClr val="bg1"/>
-                </a:solidFill>
-                <a:ea typeface="+mj-ea"/>
-                <a:cs typeface="+mj-cs"/>
-              </a:rPr>
-              <a:t>Case Study</a:t>
-            </a:r>
-            <a:endParaRPr lang="en-US" sz="2400" kern="1200" dirty="0">
-              <a:solidFill>
-                <a:schemeClr val="bg1"/>
-              </a:solidFill>
-              <a:latin typeface="+mj-lt"/>
-              <a:ea typeface="+mj-ea"/>
-              <a:cs typeface="+mj-cs"/>
-            </a:endParaRPr>
-          </a:p>
-        </p:txBody>
-      </p:sp>
-      <p:pic>
-        <p:nvPicPr>
-          <p:cNvPr id="8" name="Picture 7">
-            <a:extLst>
-              <a:ext uri="{FF2B5EF4-FFF2-40B4-BE49-F238E27FC236}">
-                <a16:creationId xmlns:a16="http://schemas.microsoft.com/office/drawing/2014/main" id="{521D4292-9ECC-4DA5-8CC0-C561A0DA118E}"/>
-              </a:ext>
-            </a:extLst>
-          </p:cNvPr>
-          <p:cNvPicPr>
-            <a:picLocks noChangeAspect="1"/>
-          </p:cNvPicPr>
-          <p:nvPr/>
-        </p:nvPicPr>
-        <p:blipFill rotWithShape="1">
-          <a:blip r:embed="rId3"/>
-          <a:srcRect l="8000" r="9400"/>
-          <a:stretch/>
-        </p:blipFill>
-        <p:spPr>
-          <a:xfrm>
-            <a:off x="660103" y="3048000"/>
-            <a:ext cx="2167974" cy="2624666"/>
-          </a:xfrm>
-          <a:prstGeom prst="rect">
-            <a:avLst/>
-          </a:prstGeom>
-          <a:noFill/>
-        </p:spPr>
-      </p:pic>
-      <p:sp>
-        <p:nvSpPr>
-          <p:cNvPr id="4" name="TextBox 3">
-            <a:extLst>
-              <a:ext uri="{FF2B5EF4-FFF2-40B4-BE49-F238E27FC236}">
-                <a16:creationId xmlns:a16="http://schemas.microsoft.com/office/drawing/2014/main" id="{9B70DD5F-80AF-47A6-9622-DF0880C2AE63}"/>
-              </a:ext>
-            </a:extLst>
-          </p:cNvPr>
-          <p:cNvSpPr txBox="1"/>
-          <p:nvPr/>
-        </p:nvSpPr>
-        <p:spPr>
-          <a:xfrm>
-            <a:off x="3810000" y="643467"/>
-            <a:ext cx="4953000" cy="461665"/>
-          </a:xfrm>
-          <a:prstGeom prst="rect">
-            <a:avLst/>
-          </a:prstGeom>
-          <a:noFill/>
-        </p:spPr>
-        <p:txBody>
-          <a:bodyPr wrap="square" rtlCol="0">
-            <a:spAutoFit/>
-          </a:bodyPr>
-          <a:lstStyle/>
-          <a:p>
-            <a:pPr marL="342900" indent="-342900">
-              <a:buFont typeface="Arial" panose="020B0604020202020204" pitchFamily="34" charset="0"/>
-              <a:buChar char="•"/>
-            </a:pPr>
-            <a:endParaRPr lang="en-US" dirty="0">
-              <a:solidFill>
-                <a:srgbClr val="404040"/>
-              </a:solidFill>
-            </a:endParaRPr>
-          </a:p>
-        </p:txBody>
-      </p:sp>
-      <p:sp>
-        <p:nvSpPr>
-          <p:cNvPr id="6" name="TextBox 5">
-            <a:extLst>
-              <a:ext uri="{FF2B5EF4-FFF2-40B4-BE49-F238E27FC236}">
-                <a16:creationId xmlns:a16="http://schemas.microsoft.com/office/drawing/2014/main" id="{E828729A-F29C-423D-B49F-097B379344C5}"/>
-              </a:ext>
-            </a:extLst>
-          </p:cNvPr>
-          <p:cNvSpPr txBox="1"/>
-          <p:nvPr/>
-        </p:nvSpPr>
-        <p:spPr>
-          <a:xfrm>
-            <a:off x="4129278" y="548634"/>
-            <a:ext cx="4953000" cy="4154984"/>
-          </a:xfrm>
-          <a:prstGeom prst="rect">
-            <a:avLst/>
-          </a:prstGeom>
-          <a:noFill/>
-        </p:spPr>
-        <p:txBody>
-          <a:bodyPr wrap="square" rtlCol="0">
-            <a:spAutoFit/>
-          </a:bodyPr>
-          <a:lstStyle/>
-          <a:p>
-            <a:pPr marL="342900" indent="-342900">
-              <a:buFont typeface="Arial" panose="020B0604020202020204" pitchFamily="34" charset="0"/>
-              <a:buChar char="•"/>
-            </a:pPr>
-            <a:r>
-              <a:rPr lang="en-US" dirty="0">
-                <a:solidFill>
-                  <a:srgbClr val="404040"/>
-                </a:solidFill>
-              </a:rPr>
-              <a:t>Sorted by Average Accuracy</a:t>
-            </a:r>
-          </a:p>
-          <a:p>
-            <a:pPr marL="800100" lvl="1" indent="-342900">
-              <a:buFont typeface="Arial" panose="020B0604020202020204" pitchFamily="34" charset="0"/>
-              <a:buChar char="•"/>
-            </a:pPr>
-            <a:r>
-              <a:rPr lang="en-US" dirty="0">
-                <a:solidFill>
-                  <a:srgbClr val="404040"/>
-                </a:solidFill>
-              </a:rPr>
-              <a:t>Best Carriers/Origin</a:t>
-            </a:r>
-          </a:p>
-          <a:p>
-            <a:pPr marL="800100" lvl="1" indent="-342900">
-              <a:buFont typeface="Arial" panose="020B0604020202020204" pitchFamily="34" charset="0"/>
-              <a:buChar char="•"/>
-            </a:pPr>
-            <a:endParaRPr lang="en-US" dirty="0">
-              <a:solidFill>
-                <a:srgbClr val="404040"/>
-              </a:solidFill>
-            </a:endParaRPr>
-          </a:p>
-          <a:p>
-            <a:pPr marL="800100" lvl="1" indent="-342900">
-              <a:buFont typeface="Arial" panose="020B0604020202020204" pitchFamily="34" charset="0"/>
-              <a:buChar char="•"/>
-            </a:pPr>
-            <a:endParaRPr lang="en-US" dirty="0">
-              <a:solidFill>
-                <a:srgbClr val="404040"/>
-              </a:solidFill>
-            </a:endParaRPr>
-          </a:p>
-          <a:p>
-            <a:pPr marL="800100" lvl="1" indent="-342900">
-              <a:buFont typeface="Arial" panose="020B0604020202020204" pitchFamily="34" charset="0"/>
-              <a:buChar char="•"/>
-            </a:pPr>
-            <a:endParaRPr lang="en-US" dirty="0">
-              <a:solidFill>
-                <a:srgbClr val="404040"/>
-              </a:solidFill>
-            </a:endParaRPr>
-          </a:p>
-          <a:p>
-            <a:pPr marL="800100" lvl="1" indent="-342900">
-              <a:buFont typeface="Arial" panose="020B0604020202020204" pitchFamily="34" charset="0"/>
-              <a:buChar char="•"/>
-            </a:pPr>
-            <a:endParaRPr lang="en-US" dirty="0">
-              <a:solidFill>
-                <a:srgbClr val="404040"/>
-              </a:solidFill>
-            </a:endParaRPr>
-          </a:p>
-          <a:p>
-            <a:pPr marL="800100" lvl="1" indent="-342900">
-              <a:buFont typeface="Arial" panose="020B0604020202020204" pitchFamily="34" charset="0"/>
-              <a:buChar char="•"/>
-            </a:pPr>
-            <a:endParaRPr lang="en-US" dirty="0">
-              <a:solidFill>
-                <a:srgbClr val="404040"/>
-              </a:solidFill>
-            </a:endParaRPr>
-          </a:p>
-          <a:p>
-            <a:pPr marL="800100" lvl="1" indent="-342900">
-              <a:buFont typeface="Arial" panose="020B0604020202020204" pitchFamily="34" charset="0"/>
-              <a:buChar char="•"/>
-            </a:pPr>
-            <a:endParaRPr lang="en-US" dirty="0">
-              <a:solidFill>
-                <a:srgbClr val="404040"/>
-              </a:solidFill>
-            </a:endParaRPr>
-          </a:p>
-          <a:p>
-            <a:pPr marL="800100" lvl="1" indent="-342900">
-              <a:buFont typeface="Arial" panose="020B0604020202020204" pitchFamily="34" charset="0"/>
-              <a:buChar char="•"/>
-            </a:pPr>
-            <a:endParaRPr lang="en-US" dirty="0">
-              <a:solidFill>
-                <a:srgbClr val="404040"/>
-              </a:solidFill>
-            </a:endParaRPr>
-          </a:p>
-          <a:p>
-            <a:pPr marL="800100" lvl="1" indent="-342900">
-              <a:buFont typeface="Arial" panose="020B0604020202020204" pitchFamily="34" charset="0"/>
-              <a:buChar char="•"/>
-            </a:pPr>
-            <a:r>
-              <a:rPr lang="en-US" dirty="0">
-                <a:solidFill>
-                  <a:srgbClr val="404040"/>
-                </a:solidFill>
-              </a:rPr>
-              <a:t>Worst Carriers/Origin</a:t>
-            </a:r>
-          </a:p>
-          <a:p>
-            <a:pPr marL="800100" lvl="1" indent="-342900">
-              <a:buFont typeface="Arial" panose="020B0604020202020204" pitchFamily="34" charset="0"/>
-              <a:buChar char="•"/>
-            </a:pPr>
-            <a:endParaRPr lang="en-US" dirty="0">
-              <a:solidFill>
-                <a:srgbClr val="404040"/>
-              </a:solidFill>
-            </a:endParaRPr>
-          </a:p>
-        </p:txBody>
-      </p:sp>
-      <p:pic>
-        <p:nvPicPr>
-          <p:cNvPr id="5" name="Picture 4">
-            <a:extLst>
-              <a:ext uri="{FF2B5EF4-FFF2-40B4-BE49-F238E27FC236}">
-                <a16:creationId xmlns:a16="http://schemas.microsoft.com/office/drawing/2014/main" id="{CA56A9CC-723F-4603-BE65-98EB1E7DD5FB}"/>
-              </a:ext>
-            </a:extLst>
-          </p:cNvPr>
-          <p:cNvPicPr>
-            <a:picLocks noChangeAspect="1"/>
-          </p:cNvPicPr>
-          <p:nvPr/>
-        </p:nvPicPr>
-        <p:blipFill>
-          <a:blip r:embed="rId4"/>
-          <a:stretch>
-            <a:fillRect/>
-          </a:stretch>
-        </p:blipFill>
-        <p:spPr>
-          <a:xfrm>
-            <a:off x="3672081" y="1411877"/>
-            <a:ext cx="5314171" cy="2133600"/>
-          </a:xfrm>
-          <a:prstGeom prst="rect">
-            <a:avLst/>
-          </a:prstGeom>
-          <a:ln>
-            <a:solidFill>
-              <a:srgbClr val="404040"/>
-            </a:solidFill>
-          </a:ln>
-        </p:spPr>
-        <p:style>
-          <a:lnRef idx="2">
-            <a:schemeClr val="dk1"/>
-          </a:lnRef>
-          <a:fillRef idx="1">
-            <a:schemeClr val="lt1"/>
-          </a:fillRef>
-          <a:effectRef idx="0">
-            <a:schemeClr val="dk1"/>
-          </a:effectRef>
-          <a:fontRef idx="minor">
-            <a:schemeClr val="dk1"/>
-          </a:fontRef>
-        </p:style>
-      </p:pic>
-      <p:pic>
-        <p:nvPicPr>
-          <p:cNvPr id="7" name="Picture 6">
-            <a:extLst>
-              <a:ext uri="{FF2B5EF4-FFF2-40B4-BE49-F238E27FC236}">
-                <a16:creationId xmlns:a16="http://schemas.microsoft.com/office/drawing/2014/main" id="{F6D2C5DB-1497-40B7-AAFC-6EFD313016F8}"/>
-              </a:ext>
-            </a:extLst>
-          </p:cNvPr>
-          <p:cNvPicPr>
-            <a:picLocks noChangeAspect="1"/>
-          </p:cNvPicPr>
-          <p:nvPr/>
-        </p:nvPicPr>
-        <p:blipFill>
-          <a:blip r:embed="rId5"/>
-          <a:stretch>
-            <a:fillRect/>
-          </a:stretch>
-        </p:blipFill>
-        <p:spPr>
-          <a:xfrm>
-            <a:off x="3644581" y="4349281"/>
-            <a:ext cx="5369169" cy="2133600"/>
-          </a:xfrm>
-          <a:prstGeom prst="rect">
-            <a:avLst/>
-          </a:prstGeom>
-          <a:ln>
-            <a:solidFill>
-              <a:srgbClr val="404040"/>
-            </a:solidFill>
-          </a:ln>
-        </p:spPr>
-        <p:style>
-          <a:lnRef idx="2">
-            <a:schemeClr val="dk1"/>
-          </a:lnRef>
-          <a:fillRef idx="1">
-            <a:schemeClr val="lt1"/>
-          </a:fillRef>
-          <a:effectRef idx="0">
-            <a:schemeClr val="dk1"/>
-          </a:effectRef>
-          <a:fontRef idx="minor">
-            <a:schemeClr val="dk1"/>
-          </a:fontRef>
-        </p:style>
-      </p:pic>
-    </p:spTree>
-    <p:custDataLst>
-      <p:tags r:id="rId1"/>
-    </p:custDataLst>
-    <p:extLst>
-      <p:ext uri="{BB962C8B-B14F-4D97-AF65-F5344CB8AC3E}">
-        <p14:creationId xmlns:p14="http://schemas.microsoft.com/office/powerpoint/2010/main" val="148025984"/>
-      </p:ext>
-    </p:extLst>
-  </p:cSld>
-  <p:clrMapOvr>
-    <a:masterClrMapping/>
-  </p:clrMapOvr>
-</p:sld>
-</file>
-
-<file path=ppt/slides/slide18.xml><?xml version="1.0" encoding="utf-8"?>
-<p:sld xmlns:a="http://schemas.openxmlformats.org/drawingml/2006/main" xmlns:r="http://schemas.openxmlformats.org/officeDocument/2006/relationships" xmlns:p="http://schemas.openxmlformats.org/presentationml/2006/main">
-  <p:cSld>
-    <p:bg>
-      <p:bgPr>
-        <a:solidFill>
-          <a:schemeClr val="bg1">
-            <a:lumMod val="85000"/>
-          </a:schemeClr>
-        </a:solidFill>
-        <a:effectLst/>
-      </p:bgPr>
-    </p:bg>
-    <p:spTree>
-      <p:nvGrpSpPr>
-        <p:cNvPr id="1" name=""/>
-        <p:cNvGrpSpPr/>
-        <p:nvPr/>
-      </p:nvGrpSpPr>
-      <p:grpSpPr>
-        <a:xfrm>
-          <a:off x="0" y="0"/>
-          <a:ext cx="0" cy="0"/>
-          <a:chOff x="0" y="0"/>
-          <a:chExt cx="0" cy="0"/>
-        </a:xfrm>
-      </p:grpSpPr>
-      <p:sp>
-        <p:nvSpPr>
-          <p:cNvPr id="15" name="Rectangle 12">
-            <a:extLst>
-              <a:ext uri="{FF2B5EF4-FFF2-40B4-BE49-F238E27FC236}">
-                <a16:creationId xmlns:a16="http://schemas.microsoft.com/office/drawing/2014/main" id="{867D4867-5BA7-4462-B2F6-A23F4A622AA7}"/>
-              </a:ext>
-              <a:ext uri="{C183D7F6-B498-43B3-948B-1728B52AA6E4}">
-                <adec:decorative xmlns:adec="http://schemas.microsoft.com/office/drawing/2017/decorative" val="1"/>
-              </a:ext>
-            </a:extLst>
-          </p:cNvPr>
-          <p:cNvSpPr>
-            <a:spLocks noGrp="1" noRot="1" noChangeAspect="1" noMove="1" noResize="1" noEditPoints="1" noAdjustHandles="1" noChangeArrowheads="1" noChangeShapeType="1" noTextEdit="1"/>
-          </p:cNvSpPr>
-          <p:nvPr>
-            <p:extLst>
-              <p:ext uri="{386F3935-93C4-4BCD-93E2-E3B085C9AB24}">
-                <p16:designElem xmlns:p16="http://schemas.microsoft.com/office/powerpoint/2015/main" val="1"/>
-              </p:ext>
-            </p:extLst>
-          </p:nvPr>
-        </p:nvSpPr>
-        <p:spPr>
-          <a:xfrm>
-            <a:off x="0" y="0"/>
-            <a:ext cx="3490722" cy="6858000"/>
-          </a:xfrm>
-          <a:prstGeom prst="rect">
-            <a:avLst/>
-          </a:prstGeom>
-          <a:solidFill>
-            <a:schemeClr val="tx1">
-              <a:lumMod val="75000"/>
-              <a:lumOff val="25000"/>
-            </a:schemeClr>
-          </a:solidFill>
-          <a:ln>
-            <a:noFill/>
-          </a:ln>
-        </p:spPr>
-        <p:style>
-          <a:lnRef idx="0">
-            <a:scrgbClr r="0" g="0" b="0"/>
-          </a:lnRef>
-          <a:fillRef idx="0">
-            <a:scrgbClr r="0" g="0" b="0"/>
-          </a:fillRef>
-          <a:effectRef idx="0">
-            <a:scrgbClr r="0" g="0" b="0"/>
-          </a:effectRef>
-          <a:fontRef idx="minor">
-            <a:schemeClr val="lt1"/>
-          </a:fontRef>
-        </p:style>
-        <p:txBody>
-          <a:bodyPr rtlCol="0" anchor="ctr"/>
-          <a:lstStyle/>
-          <a:p>
-            <a:pPr algn="ctr"/>
-            <a:endParaRPr lang="en-US"/>
-          </a:p>
-        </p:txBody>
-      </p:sp>
-      <p:sp>
-        <p:nvSpPr>
-          <p:cNvPr id="2" name="Title 1"/>
-          <p:cNvSpPr>
-            <a:spLocks noGrp="1"/>
-          </p:cNvSpPr>
-          <p:nvPr>
-            <p:ph type="title"/>
-          </p:nvPr>
-        </p:nvSpPr>
-        <p:spPr>
-          <a:xfrm>
-            <a:off x="482600" y="643467"/>
-            <a:ext cx="2522980" cy="1597315"/>
-          </a:xfrm>
-          <a:noFill/>
-          <a:ln w="19050">
-            <a:solidFill>
-              <a:schemeClr val="bg1"/>
-            </a:solidFill>
-          </a:ln>
-        </p:spPr>
-        <p:txBody>
-          <a:bodyPr vert="horz" wrap="square" lIns="91440" tIns="45720" rIns="91440" bIns="45720" rtlCol="0" anchor="ctr">
-            <a:normAutofit/>
-          </a:bodyPr>
-          <a:lstStyle/>
-          <a:p>
-            <a:pPr defTabSz="914400" eaLnBrk="1" hangingPunct="1">
-              <a:lnSpc>
-                <a:spcPct val="90000"/>
-              </a:lnSpc>
-            </a:pPr>
-            <a:r>
-              <a:rPr lang="en-US" sz="2400" dirty="0">
-                <a:solidFill>
-                  <a:schemeClr val="bg1"/>
-                </a:solidFill>
-                <a:ea typeface="+mj-ea"/>
-                <a:cs typeface="+mj-cs"/>
-              </a:rPr>
-              <a:t>Case Study</a:t>
-            </a:r>
-            <a:endParaRPr lang="en-US" sz="2400" kern="1200" dirty="0">
-              <a:solidFill>
-                <a:schemeClr val="bg1"/>
-              </a:solidFill>
-              <a:latin typeface="+mj-lt"/>
-              <a:ea typeface="+mj-ea"/>
-              <a:cs typeface="+mj-cs"/>
-            </a:endParaRPr>
-          </a:p>
-        </p:txBody>
-      </p:sp>
-      <p:pic>
-        <p:nvPicPr>
-          <p:cNvPr id="8" name="Picture 7">
-            <a:extLst>
-              <a:ext uri="{FF2B5EF4-FFF2-40B4-BE49-F238E27FC236}">
-                <a16:creationId xmlns:a16="http://schemas.microsoft.com/office/drawing/2014/main" id="{521D4292-9ECC-4DA5-8CC0-C561A0DA118E}"/>
-              </a:ext>
-            </a:extLst>
-          </p:cNvPr>
-          <p:cNvPicPr>
-            <a:picLocks noChangeAspect="1"/>
-          </p:cNvPicPr>
-          <p:nvPr/>
-        </p:nvPicPr>
-        <p:blipFill rotWithShape="1">
-          <a:blip r:embed="rId3"/>
-          <a:srcRect l="8000" r="9400"/>
-          <a:stretch/>
-        </p:blipFill>
-        <p:spPr>
-          <a:xfrm>
-            <a:off x="660103" y="3048000"/>
-            <a:ext cx="2167974" cy="2624666"/>
-          </a:xfrm>
-          <a:prstGeom prst="rect">
-            <a:avLst/>
-          </a:prstGeom>
-          <a:noFill/>
-        </p:spPr>
-      </p:pic>
-      <p:sp>
-        <p:nvSpPr>
-          <p:cNvPr id="4" name="TextBox 3">
-            <a:extLst>
-              <a:ext uri="{FF2B5EF4-FFF2-40B4-BE49-F238E27FC236}">
-                <a16:creationId xmlns:a16="http://schemas.microsoft.com/office/drawing/2014/main" id="{9B70DD5F-80AF-47A6-9622-DF0880C2AE63}"/>
-              </a:ext>
-            </a:extLst>
-          </p:cNvPr>
-          <p:cNvSpPr txBox="1"/>
-          <p:nvPr/>
-        </p:nvSpPr>
-        <p:spPr>
-          <a:xfrm>
-            <a:off x="3810000" y="643467"/>
-            <a:ext cx="4953000" cy="461665"/>
-          </a:xfrm>
-          <a:prstGeom prst="rect">
-            <a:avLst/>
-          </a:prstGeom>
-          <a:noFill/>
-        </p:spPr>
-        <p:txBody>
-          <a:bodyPr wrap="square" rtlCol="0">
-            <a:spAutoFit/>
-          </a:bodyPr>
-          <a:lstStyle/>
-          <a:p>
-            <a:pPr marL="342900" indent="-342900">
-              <a:buFont typeface="Arial" panose="020B0604020202020204" pitchFamily="34" charset="0"/>
-              <a:buChar char="•"/>
-            </a:pPr>
-            <a:endParaRPr lang="en-US" dirty="0">
-              <a:solidFill>
-                <a:srgbClr val="404040"/>
-              </a:solidFill>
-            </a:endParaRPr>
-          </a:p>
-        </p:txBody>
-      </p:sp>
-      <p:sp>
-        <p:nvSpPr>
-          <p:cNvPr id="6" name="TextBox 5">
-            <a:extLst>
-              <a:ext uri="{FF2B5EF4-FFF2-40B4-BE49-F238E27FC236}">
-                <a16:creationId xmlns:a16="http://schemas.microsoft.com/office/drawing/2014/main" id="{E828729A-F29C-423D-B49F-097B379344C5}"/>
-              </a:ext>
-            </a:extLst>
-          </p:cNvPr>
-          <p:cNvSpPr txBox="1"/>
-          <p:nvPr/>
-        </p:nvSpPr>
-        <p:spPr>
-          <a:xfrm>
-            <a:off x="4129278" y="548634"/>
-            <a:ext cx="4953000" cy="461665"/>
-          </a:xfrm>
-          <a:prstGeom prst="rect">
-            <a:avLst/>
-          </a:prstGeom>
-          <a:noFill/>
-        </p:spPr>
-        <p:txBody>
-          <a:bodyPr wrap="square" rtlCol="0">
-            <a:spAutoFit/>
-          </a:bodyPr>
-          <a:lstStyle/>
-          <a:p>
-            <a:pPr marL="342900" indent="-342900">
-              <a:buFont typeface="Arial" panose="020B0604020202020204" pitchFamily="34" charset="0"/>
-              <a:buChar char="•"/>
-            </a:pPr>
-            <a:r>
-              <a:rPr lang="en-US" dirty="0">
-                <a:solidFill>
-                  <a:srgbClr val="404040"/>
-                </a:solidFill>
-              </a:rPr>
-              <a:t>95% Confidence Intervals</a:t>
-            </a:r>
-          </a:p>
-        </p:txBody>
-      </p:sp>
-      <p:pic>
-        <p:nvPicPr>
-          <p:cNvPr id="3" name="Picture 2">
-            <a:extLst>
-              <a:ext uri="{FF2B5EF4-FFF2-40B4-BE49-F238E27FC236}">
-                <a16:creationId xmlns:a16="http://schemas.microsoft.com/office/drawing/2014/main" id="{1432C5C2-B7F0-4DAC-9D84-AB1FF10DDBEE}"/>
-              </a:ext>
-            </a:extLst>
-          </p:cNvPr>
-          <p:cNvPicPr>
-            <a:picLocks noChangeAspect="1"/>
-          </p:cNvPicPr>
-          <p:nvPr/>
-        </p:nvPicPr>
-        <p:blipFill>
-          <a:blip r:embed="rId4"/>
-          <a:stretch>
-            <a:fillRect/>
-          </a:stretch>
-        </p:blipFill>
-        <p:spPr>
-          <a:xfrm>
-            <a:off x="3574953" y="1105132"/>
-            <a:ext cx="5510233" cy="3429953"/>
-          </a:xfrm>
-          <a:prstGeom prst="rect">
-            <a:avLst/>
-          </a:prstGeom>
-          <a:ln>
-            <a:solidFill>
-              <a:srgbClr val="404040"/>
-            </a:solidFill>
-          </a:ln>
-        </p:spPr>
-        <p:style>
-          <a:lnRef idx="2">
-            <a:schemeClr val="dk1"/>
-          </a:lnRef>
-          <a:fillRef idx="1">
-            <a:schemeClr val="lt1"/>
-          </a:fillRef>
-          <a:effectRef idx="0">
-            <a:schemeClr val="dk1"/>
-          </a:effectRef>
-          <a:fontRef idx="minor">
-            <a:schemeClr val="dk1"/>
-          </a:fontRef>
-        </p:style>
-      </p:pic>
-      <p:sp>
-        <p:nvSpPr>
-          <p:cNvPr id="9" name="Rectangle 8">
-            <a:extLst>
-              <a:ext uri="{FF2B5EF4-FFF2-40B4-BE49-F238E27FC236}">
-                <a16:creationId xmlns:a16="http://schemas.microsoft.com/office/drawing/2014/main" id="{7DD67B8A-03E8-4203-9CE1-643EA9B6F762}"/>
-              </a:ext>
-            </a:extLst>
-          </p:cNvPr>
-          <p:cNvSpPr/>
-          <p:nvPr/>
-        </p:nvSpPr>
-        <p:spPr>
-          <a:xfrm>
-            <a:off x="6934200" y="1010299"/>
-            <a:ext cx="457200" cy="3714101"/>
-          </a:xfrm>
-          <a:prstGeom prst="rect">
-            <a:avLst/>
-          </a:prstGeom>
-          <a:noFill/>
-          <a:ln>
-            <a:solidFill>
-              <a:srgbClr val="404040"/>
-            </a:solidFill>
-          </a:ln>
-        </p:spPr>
-        <p:style>
-          <a:lnRef idx="2">
-            <a:schemeClr val="dk1"/>
-          </a:lnRef>
-          <a:fillRef idx="1">
-            <a:schemeClr val="lt1"/>
-          </a:fillRef>
-          <a:effectRef idx="0">
-            <a:schemeClr val="dk1"/>
-          </a:effectRef>
-          <a:fontRef idx="minor">
-            <a:schemeClr val="dk1"/>
-          </a:fontRef>
-        </p:style>
-        <p:txBody>
-          <a:bodyPr rtlCol="0" anchor="ctr"/>
-          <a:lstStyle/>
-          <a:p>
-            <a:pPr algn="ctr"/>
-            <a:endParaRPr lang="en-US"/>
-          </a:p>
-        </p:txBody>
-      </p:sp>
-      <p:cxnSp>
-        <p:nvCxnSpPr>
-          <p:cNvPr id="11" name="Connector: Elbow 10">
-            <a:extLst>
-              <a:ext uri="{FF2B5EF4-FFF2-40B4-BE49-F238E27FC236}">
-                <a16:creationId xmlns:a16="http://schemas.microsoft.com/office/drawing/2014/main" id="{43CD36C5-14CC-4EA1-A94E-E307366E75B3}"/>
-              </a:ext>
-            </a:extLst>
-          </p:cNvPr>
-          <p:cNvCxnSpPr>
-            <a:cxnSpLocks/>
-          </p:cNvCxnSpPr>
-          <p:nvPr/>
-        </p:nvCxnSpPr>
-        <p:spPr>
-          <a:xfrm rot="5400000">
-            <a:off x="6781800" y="4710232"/>
-            <a:ext cx="381000" cy="381000"/>
-          </a:xfrm>
-          <a:prstGeom prst="bentConnector3">
-            <a:avLst>
-              <a:gd name="adj1" fmla="val 48168"/>
-            </a:avLst>
-          </a:prstGeom>
-          <a:ln>
-            <a:solidFill>
-              <a:srgbClr val="404040"/>
-            </a:solidFill>
-            <a:tailEnd type="triangle"/>
-          </a:ln>
-        </p:spPr>
-        <p:style>
-          <a:lnRef idx="2">
-            <a:schemeClr val="accent1"/>
-          </a:lnRef>
-          <a:fillRef idx="0">
-            <a:schemeClr val="accent1"/>
-          </a:fillRef>
-          <a:effectRef idx="1">
-            <a:schemeClr val="accent1"/>
-          </a:effectRef>
-          <a:fontRef idx="minor">
-            <a:schemeClr val="tx1"/>
-          </a:fontRef>
-        </p:style>
-      </p:cxnSp>
-      <p:sp>
-        <p:nvSpPr>
-          <p:cNvPr id="14" name="TextBox 13">
-            <a:extLst>
-              <a:ext uri="{FF2B5EF4-FFF2-40B4-BE49-F238E27FC236}">
-                <a16:creationId xmlns:a16="http://schemas.microsoft.com/office/drawing/2014/main" id="{94B9DD0F-373B-4FC5-955C-AB32BE8D0894}"/>
-              </a:ext>
-            </a:extLst>
-          </p:cNvPr>
-          <p:cNvSpPr txBox="1"/>
-          <p:nvPr/>
-        </p:nvSpPr>
-        <p:spPr>
-          <a:xfrm>
-            <a:off x="5431076" y="5072501"/>
-            <a:ext cx="3657600" cy="1200329"/>
-          </a:xfrm>
-          <a:prstGeom prst="rect">
-            <a:avLst/>
-          </a:prstGeom>
-          <a:noFill/>
-        </p:spPr>
-        <p:txBody>
-          <a:bodyPr wrap="square" rtlCol="0">
-            <a:spAutoFit/>
-          </a:bodyPr>
-          <a:lstStyle/>
-          <a:p>
-            <a:pPr algn="r"/>
-            <a:r>
-              <a:rPr lang="en-US" dirty="0"/>
-              <a:t>Carrier “OO” Creates a Visual Problem Due to Small Sample Size </a:t>
-            </a:r>
-          </a:p>
-        </p:txBody>
-      </p:sp>
-    </p:spTree>
-    <p:custDataLst>
-      <p:tags r:id="rId1"/>
-    </p:custDataLst>
-    <p:extLst>
-      <p:ext uri="{BB962C8B-B14F-4D97-AF65-F5344CB8AC3E}">
-        <p14:creationId xmlns:p14="http://schemas.microsoft.com/office/powerpoint/2010/main" val="3156651050"/>
-      </p:ext>
-    </p:extLst>
-  </p:cSld>
-  <p:clrMapOvr>
-    <a:masterClrMapping/>
-  </p:clrMapOvr>
-</p:sld>
-</file>
-
-<file path=ppt/slides/slide19.xml><?xml version="1.0" encoding="utf-8"?>
-<p:sld xmlns:a="http://schemas.openxmlformats.org/drawingml/2006/main" xmlns:r="http://schemas.openxmlformats.org/officeDocument/2006/relationships" xmlns:p="http://schemas.openxmlformats.org/presentationml/2006/main">
-  <p:cSld>
-    <p:bg>
-      <p:bgPr>
-        <a:solidFill>
-          <a:schemeClr val="bg1">
-            <a:lumMod val="85000"/>
-          </a:schemeClr>
-        </a:solidFill>
-        <a:effectLst/>
-      </p:bgPr>
-    </p:bg>
-    <p:spTree>
-      <p:nvGrpSpPr>
-        <p:cNvPr id="1" name=""/>
-        <p:cNvGrpSpPr/>
-        <p:nvPr/>
-      </p:nvGrpSpPr>
-      <p:grpSpPr>
-        <a:xfrm>
-          <a:off x="0" y="0"/>
-          <a:ext cx="0" cy="0"/>
-          <a:chOff x="0" y="0"/>
-          <a:chExt cx="0" cy="0"/>
-        </a:xfrm>
-      </p:grpSpPr>
-      <p:sp>
-        <p:nvSpPr>
-          <p:cNvPr id="15" name="Rectangle 12">
-            <a:extLst>
-              <a:ext uri="{FF2B5EF4-FFF2-40B4-BE49-F238E27FC236}">
-                <a16:creationId xmlns:a16="http://schemas.microsoft.com/office/drawing/2014/main" id="{867D4867-5BA7-4462-B2F6-A23F4A622AA7}"/>
-              </a:ext>
-              <a:ext uri="{C183D7F6-B498-43B3-948B-1728B52AA6E4}">
-                <adec:decorative xmlns:adec="http://schemas.microsoft.com/office/drawing/2017/decorative" val="1"/>
-              </a:ext>
-            </a:extLst>
-          </p:cNvPr>
-          <p:cNvSpPr>
-            <a:spLocks noGrp="1" noRot="1" noChangeAspect="1" noMove="1" noResize="1" noEditPoints="1" noAdjustHandles="1" noChangeArrowheads="1" noChangeShapeType="1" noTextEdit="1"/>
-          </p:cNvSpPr>
-          <p:nvPr>
-            <p:extLst>
-              <p:ext uri="{386F3935-93C4-4BCD-93E2-E3B085C9AB24}">
-                <p16:designElem xmlns:p16="http://schemas.microsoft.com/office/powerpoint/2015/main" val="1"/>
-              </p:ext>
-            </p:extLst>
-          </p:nvPr>
-        </p:nvSpPr>
-        <p:spPr>
-          <a:xfrm>
-            <a:off x="0" y="0"/>
-            <a:ext cx="3490722" cy="6858000"/>
-          </a:xfrm>
-          <a:prstGeom prst="rect">
-            <a:avLst/>
-          </a:prstGeom>
-          <a:solidFill>
-            <a:schemeClr val="tx1">
-              <a:lumMod val="75000"/>
-              <a:lumOff val="25000"/>
-            </a:schemeClr>
-          </a:solidFill>
-          <a:ln>
-            <a:noFill/>
-          </a:ln>
-        </p:spPr>
-        <p:style>
-          <a:lnRef idx="0">
-            <a:scrgbClr r="0" g="0" b="0"/>
-          </a:lnRef>
-          <a:fillRef idx="0">
-            <a:scrgbClr r="0" g="0" b="0"/>
-          </a:fillRef>
-          <a:effectRef idx="0">
-            <a:scrgbClr r="0" g="0" b="0"/>
-          </a:effectRef>
-          <a:fontRef idx="minor">
-            <a:schemeClr val="lt1"/>
-          </a:fontRef>
-        </p:style>
-        <p:txBody>
-          <a:bodyPr rtlCol="0" anchor="ctr"/>
-          <a:lstStyle/>
-          <a:p>
-            <a:pPr algn="ctr"/>
-            <a:endParaRPr lang="en-US"/>
-          </a:p>
-        </p:txBody>
-      </p:sp>
-      <p:sp>
-        <p:nvSpPr>
-          <p:cNvPr id="2" name="Title 1"/>
-          <p:cNvSpPr>
-            <a:spLocks noGrp="1"/>
-          </p:cNvSpPr>
-          <p:nvPr>
-            <p:ph type="title"/>
-          </p:nvPr>
-        </p:nvSpPr>
-        <p:spPr>
-          <a:xfrm>
-            <a:off x="482600" y="643467"/>
-            <a:ext cx="2522980" cy="1597315"/>
-          </a:xfrm>
-          <a:noFill/>
-          <a:ln w="19050">
-            <a:solidFill>
-              <a:schemeClr val="bg1"/>
-            </a:solidFill>
-          </a:ln>
-        </p:spPr>
-        <p:txBody>
-          <a:bodyPr vert="horz" wrap="square" lIns="91440" tIns="45720" rIns="91440" bIns="45720" rtlCol="0" anchor="ctr">
-            <a:normAutofit/>
-          </a:bodyPr>
-          <a:lstStyle/>
-          <a:p>
-            <a:pPr defTabSz="914400" eaLnBrk="1" hangingPunct="1">
-              <a:lnSpc>
-                <a:spcPct val="90000"/>
-              </a:lnSpc>
-            </a:pPr>
-            <a:r>
-              <a:rPr lang="en-US" sz="2400" dirty="0">
-                <a:solidFill>
-                  <a:schemeClr val="bg1"/>
-                </a:solidFill>
-                <a:ea typeface="+mj-ea"/>
-                <a:cs typeface="+mj-cs"/>
-              </a:rPr>
-              <a:t>Case Study</a:t>
-            </a:r>
-            <a:endParaRPr lang="en-US" sz="2400" kern="1200" dirty="0">
-              <a:solidFill>
-                <a:schemeClr val="bg1"/>
-              </a:solidFill>
-              <a:latin typeface="+mj-lt"/>
-              <a:ea typeface="+mj-ea"/>
-              <a:cs typeface="+mj-cs"/>
-            </a:endParaRPr>
-          </a:p>
-        </p:txBody>
-      </p:sp>
-      <p:pic>
-        <p:nvPicPr>
-          <p:cNvPr id="8" name="Picture 7">
-            <a:extLst>
-              <a:ext uri="{FF2B5EF4-FFF2-40B4-BE49-F238E27FC236}">
-                <a16:creationId xmlns:a16="http://schemas.microsoft.com/office/drawing/2014/main" id="{521D4292-9ECC-4DA5-8CC0-C561A0DA118E}"/>
-              </a:ext>
-            </a:extLst>
-          </p:cNvPr>
-          <p:cNvPicPr>
-            <a:picLocks noChangeAspect="1"/>
-          </p:cNvPicPr>
-          <p:nvPr/>
-        </p:nvPicPr>
-        <p:blipFill rotWithShape="1">
-          <a:blip r:embed="rId3"/>
-          <a:srcRect l="8000" r="9400"/>
-          <a:stretch/>
-        </p:blipFill>
-        <p:spPr>
-          <a:xfrm>
-            <a:off x="660103" y="3048000"/>
-            <a:ext cx="2167974" cy="2624666"/>
-          </a:xfrm>
-          <a:prstGeom prst="rect">
-            <a:avLst/>
-          </a:prstGeom>
-          <a:noFill/>
-        </p:spPr>
-      </p:pic>
-      <p:sp>
-        <p:nvSpPr>
-          <p:cNvPr id="4" name="TextBox 3">
-            <a:extLst>
-              <a:ext uri="{FF2B5EF4-FFF2-40B4-BE49-F238E27FC236}">
-                <a16:creationId xmlns:a16="http://schemas.microsoft.com/office/drawing/2014/main" id="{9B70DD5F-80AF-47A6-9622-DF0880C2AE63}"/>
-              </a:ext>
-            </a:extLst>
-          </p:cNvPr>
-          <p:cNvSpPr txBox="1"/>
-          <p:nvPr/>
-        </p:nvSpPr>
-        <p:spPr>
-          <a:xfrm>
-            <a:off x="3810000" y="643467"/>
-            <a:ext cx="4953000" cy="461665"/>
-          </a:xfrm>
-          <a:prstGeom prst="rect">
-            <a:avLst/>
-          </a:prstGeom>
-          <a:noFill/>
-        </p:spPr>
-        <p:txBody>
-          <a:bodyPr wrap="square" rtlCol="0">
-            <a:spAutoFit/>
-          </a:bodyPr>
-          <a:lstStyle/>
-          <a:p>
-            <a:pPr marL="342900" indent="-342900">
-              <a:buFont typeface="Arial" panose="020B0604020202020204" pitchFamily="34" charset="0"/>
-              <a:buChar char="•"/>
-            </a:pPr>
-            <a:endParaRPr lang="en-US" dirty="0">
-              <a:solidFill>
-                <a:srgbClr val="404040"/>
-              </a:solidFill>
-            </a:endParaRPr>
-          </a:p>
-        </p:txBody>
-      </p:sp>
-      <p:sp>
-        <p:nvSpPr>
-          <p:cNvPr id="6" name="TextBox 5">
-            <a:extLst>
-              <a:ext uri="{FF2B5EF4-FFF2-40B4-BE49-F238E27FC236}">
-                <a16:creationId xmlns:a16="http://schemas.microsoft.com/office/drawing/2014/main" id="{E828729A-F29C-423D-B49F-097B379344C5}"/>
-              </a:ext>
-            </a:extLst>
-          </p:cNvPr>
-          <p:cNvSpPr txBox="1"/>
-          <p:nvPr/>
-        </p:nvSpPr>
-        <p:spPr>
-          <a:xfrm>
-            <a:off x="4129278" y="548634"/>
-            <a:ext cx="4953000" cy="461665"/>
-          </a:xfrm>
-          <a:prstGeom prst="rect">
-            <a:avLst/>
-          </a:prstGeom>
-          <a:noFill/>
-        </p:spPr>
-        <p:txBody>
-          <a:bodyPr wrap="square" rtlCol="0">
-            <a:spAutoFit/>
-          </a:bodyPr>
-          <a:lstStyle/>
-          <a:p>
-            <a:pPr marL="342900" indent="-342900">
-              <a:buFont typeface="Arial" panose="020B0604020202020204" pitchFamily="34" charset="0"/>
-              <a:buChar char="•"/>
-            </a:pPr>
-            <a:r>
-              <a:rPr lang="en-US" dirty="0">
-                <a:solidFill>
-                  <a:srgbClr val="404040"/>
-                </a:solidFill>
-              </a:rPr>
-              <a:t>95% Confidence Intervals</a:t>
-            </a:r>
-          </a:p>
-        </p:txBody>
-      </p:sp>
-      <p:pic>
-        <p:nvPicPr>
-          <p:cNvPr id="5" name="Picture 4">
-            <a:extLst>
-              <a:ext uri="{FF2B5EF4-FFF2-40B4-BE49-F238E27FC236}">
-                <a16:creationId xmlns:a16="http://schemas.microsoft.com/office/drawing/2014/main" id="{F5F3A398-3E8B-4392-8BD1-9B7287AD27AE}"/>
-              </a:ext>
-            </a:extLst>
-          </p:cNvPr>
-          <p:cNvPicPr>
-            <a:picLocks noChangeAspect="1"/>
-          </p:cNvPicPr>
-          <p:nvPr/>
-        </p:nvPicPr>
-        <p:blipFill>
-          <a:blip r:embed="rId4"/>
-          <a:stretch>
-            <a:fillRect/>
-          </a:stretch>
-        </p:blipFill>
-        <p:spPr>
-          <a:xfrm>
-            <a:off x="3550571" y="3200400"/>
-            <a:ext cx="5503786" cy="3393354"/>
-          </a:xfrm>
-          <a:prstGeom prst="rect">
-            <a:avLst/>
-          </a:prstGeom>
-          <a:ln>
-            <a:solidFill>
-              <a:srgbClr val="404040"/>
-            </a:solidFill>
-          </a:ln>
-        </p:spPr>
-        <p:style>
-          <a:lnRef idx="2">
-            <a:schemeClr val="dk1"/>
-          </a:lnRef>
-          <a:fillRef idx="1">
-            <a:schemeClr val="lt1"/>
-          </a:fillRef>
-          <a:effectRef idx="0">
-            <a:schemeClr val="dk1"/>
-          </a:effectRef>
-          <a:fontRef idx="minor">
-            <a:schemeClr val="dk1"/>
-          </a:fontRef>
-        </p:style>
-      </p:pic>
-      <p:pic>
-        <p:nvPicPr>
-          <p:cNvPr id="7" name="Picture 6">
-            <a:extLst>
-              <a:ext uri="{FF2B5EF4-FFF2-40B4-BE49-F238E27FC236}">
-                <a16:creationId xmlns:a16="http://schemas.microsoft.com/office/drawing/2014/main" id="{6A08CCB2-36E5-47F0-8338-D556F3E4888B}"/>
-              </a:ext>
-            </a:extLst>
-          </p:cNvPr>
-          <p:cNvPicPr>
-            <a:picLocks noChangeAspect="1"/>
-          </p:cNvPicPr>
-          <p:nvPr/>
-        </p:nvPicPr>
-        <p:blipFill>
-          <a:blip r:embed="rId5"/>
-          <a:stretch>
-            <a:fillRect/>
-          </a:stretch>
-        </p:blipFill>
-        <p:spPr>
-          <a:xfrm>
-            <a:off x="3550571" y="1371600"/>
-            <a:ext cx="5503786" cy="1026473"/>
-          </a:xfrm>
-          <a:prstGeom prst="rect">
-            <a:avLst/>
-          </a:prstGeom>
-          <a:ln>
-            <a:solidFill>
-              <a:srgbClr val="404040"/>
-            </a:solidFill>
-          </a:ln>
-        </p:spPr>
-        <p:style>
-          <a:lnRef idx="2">
-            <a:schemeClr val="dk1"/>
-          </a:lnRef>
-          <a:fillRef idx="1">
-            <a:schemeClr val="lt1"/>
-          </a:fillRef>
-          <a:effectRef idx="0">
-            <a:schemeClr val="dk1"/>
-          </a:effectRef>
-          <a:fontRef idx="minor">
-            <a:schemeClr val="dk1"/>
-          </a:fontRef>
-        </p:style>
-      </p:pic>
-      <p:sp>
-        <p:nvSpPr>
-          <p:cNvPr id="10" name="Arrow: Down 9">
-            <a:extLst>
-              <a:ext uri="{FF2B5EF4-FFF2-40B4-BE49-F238E27FC236}">
-                <a16:creationId xmlns:a16="http://schemas.microsoft.com/office/drawing/2014/main" id="{48E12E9A-7107-4B1E-9495-B7AC0A900007}"/>
-              </a:ext>
-            </a:extLst>
-          </p:cNvPr>
-          <p:cNvSpPr/>
-          <p:nvPr/>
-        </p:nvSpPr>
-        <p:spPr>
-          <a:xfrm>
-            <a:off x="6096000" y="2550277"/>
-            <a:ext cx="381000" cy="457200"/>
-          </a:xfrm>
-          <a:prstGeom prst="downArrow">
-            <a:avLst/>
-          </a:prstGeom>
-          <a:solidFill>
-            <a:srgbClr val="404040"/>
-          </a:solidFill>
-          <a:ln>
-            <a:solidFill>
-              <a:srgbClr val="404040"/>
-            </a:solidFill>
-          </a:ln>
-        </p:spPr>
-        <p:style>
-          <a:lnRef idx="2">
-            <a:schemeClr val="dk1"/>
-          </a:lnRef>
-          <a:fillRef idx="1">
-            <a:schemeClr val="lt1"/>
-          </a:fillRef>
-          <a:effectRef idx="0">
-            <a:schemeClr val="dk1"/>
-          </a:effectRef>
-          <a:fontRef idx="minor">
-            <a:schemeClr val="dk1"/>
-          </a:fontRef>
-        </p:style>
-        <p:txBody>
-          <a:bodyPr rtlCol="0" anchor="ctr"/>
-          <a:lstStyle/>
-          <a:p>
-            <a:pPr algn="ctr"/>
-            <a:endParaRPr lang="en-US" dirty="0"/>
-          </a:p>
-        </p:txBody>
-      </p:sp>
-    </p:spTree>
-    <p:custDataLst>
-      <p:tags r:id="rId1"/>
-    </p:custDataLst>
-    <p:extLst>
-      <p:ext uri="{BB962C8B-B14F-4D97-AF65-F5344CB8AC3E}">
-        <p14:creationId xmlns:p14="http://schemas.microsoft.com/office/powerpoint/2010/main" val="3786111459"/>
+        <p14:creationId xmlns:p14="http://schemas.microsoft.com/office/powerpoint/2010/main" val="3647066437"/>
       </p:ext>
     </p:extLst>
   </p:cSld>
@@ -13978,690 +11781,6 @@
     <p:extLst>
       <p:ext uri="{BB962C8B-B14F-4D97-AF65-F5344CB8AC3E}">
         <p14:creationId xmlns:p14="http://schemas.microsoft.com/office/powerpoint/2010/main" val="641320167"/>
-      </p:ext>
-    </p:extLst>
-  </p:cSld>
-  <p:clrMapOvr>
-    <a:masterClrMapping/>
-  </p:clrMapOvr>
-</p:sld>
-</file>
-
-<file path=ppt/slides/slide20.xml><?xml version="1.0" encoding="utf-8"?>
-<p:sld xmlns:a="http://schemas.openxmlformats.org/drawingml/2006/main" xmlns:r="http://schemas.openxmlformats.org/officeDocument/2006/relationships" xmlns:p="http://schemas.openxmlformats.org/presentationml/2006/main">
-  <p:cSld>
-    <p:bg>
-      <p:bgPr>
-        <a:solidFill>
-          <a:schemeClr val="bg1">
-            <a:lumMod val="85000"/>
-          </a:schemeClr>
-        </a:solidFill>
-        <a:effectLst/>
-      </p:bgPr>
-    </p:bg>
-    <p:spTree>
-      <p:nvGrpSpPr>
-        <p:cNvPr id="1" name=""/>
-        <p:cNvGrpSpPr/>
-        <p:nvPr/>
-      </p:nvGrpSpPr>
-      <p:grpSpPr>
-        <a:xfrm>
-          <a:off x="0" y="0"/>
-          <a:ext cx="0" cy="0"/>
-          <a:chOff x="0" y="0"/>
-          <a:chExt cx="0" cy="0"/>
-        </a:xfrm>
-      </p:grpSpPr>
-      <p:sp>
-        <p:nvSpPr>
-          <p:cNvPr id="15" name="Rectangle 12">
-            <a:extLst>
-              <a:ext uri="{FF2B5EF4-FFF2-40B4-BE49-F238E27FC236}">
-                <a16:creationId xmlns:a16="http://schemas.microsoft.com/office/drawing/2014/main" id="{867D4867-5BA7-4462-B2F6-A23F4A622AA7}"/>
-              </a:ext>
-              <a:ext uri="{C183D7F6-B498-43B3-948B-1728B52AA6E4}">
-                <adec:decorative xmlns:adec="http://schemas.microsoft.com/office/drawing/2017/decorative" val="1"/>
-              </a:ext>
-            </a:extLst>
-          </p:cNvPr>
-          <p:cNvSpPr>
-            <a:spLocks noGrp="1" noRot="1" noChangeAspect="1" noMove="1" noResize="1" noEditPoints="1" noAdjustHandles="1" noChangeArrowheads="1" noChangeShapeType="1" noTextEdit="1"/>
-          </p:cNvSpPr>
-          <p:nvPr>
-            <p:extLst>
-              <p:ext uri="{386F3935-93C4-4BCD-93E2-E3B085C9AB24}">
-                <p16:designElem xmlns:p16="http://schemas.microsoft.com/office/powerpoint/2015/main" val="1"/>
-              </p:ext>
-            </p:extLst>
-          </p:nvPr>
-        </p:nvSpPr>
-        <p:spPr>
-          <a:xfrm>
-            <a:off x="0" y="0"/>
-            <a:ext cx="3490722" cy="6858000"/>
-          </a:xfrm>
-          <a:prstGeom prst="rect">
-            <a:avLst/>
-          </a:prstGeom>
-          <a:solidFill>
-            <a:schemeClr val="tx1">
-              <a:lumMod val="75000"/>
-              <a:lumOff val="25000"/>
-            </a:schemeClr>
-          </a:solidFill>
-          <a:ln>
-            <a:noFill/>
-          </a:ln>
-        </p:spPr>
-        <p:style>
-          <a:lnRef idx="0">
-            <a:scrgbClr r="0" g="0" b="0"/>
-          </a:lnRef>
-          <a:fillRef idx="0">
-            <a:scrgbClr r="0" g="0" b="0"/>
-          </a:fillRef>
-          <a:effectRef idx="0">
-            <a:scrgbClr r="0" g="0" b="0"/>
-          </a:effectRef>
-          <a:fontRef idx="minor">
-            <a:schemeClr val="lt1"/>
-          </a:fontRef>
-        </p:style>
-        <p:txBody>
-          <a:bodyPr rtlCol="0" anchor="ctr"/>
-          <a:lstStyle/>
-          <a:p>
-            <a:pPr algn="ctr"/>
-            <a:endParaRPr lang="en-US"/>
-          </a:p>
-        </p:txBody>
-      </p:sp>
-      <p:sp>
-        <p:nvSpPr>
-          <p:cNvPr id="2" name="Title 1"/>
-          <p:cNvSpPr>
-            <a:spLocks noGrp="1"/>
-          </p:cNvSpPr>
-          <p:nvPr>
-            <p:ph type="title"/>
-          </p:nvPr>
-        </p:nvSpPr>
-        <p:spPr>
-          <a:xfrm>
-            <a:off x="482600" y="643467"/>
-            <a:ext cx="2522980" cy="1597315"/>
-          </a:xfrm>
-          <a:noFill/>
-          <a:ln w="19050">
-            <a:solidFill>
-              <a:schemeClr val="bg1"/>
-            </a:solidFill>
-          </a:ln>
-        </p:spPr>
-        <p:txBody>
-          <a:bodyPr vert="horz" wrap="square" lIns="91440" tIns="45720" rIns="91440" bIns="45720" rtlCol="0" anchor="ctr">
-            <a:normAutofit/>
-          </a:bodyPr>
-          <a:lstStyle/>
-          <a:p>
-            <a:pPr defTabSz="914400" eaLnBrk="1" hangingPunct="1">
-              <a:lnSpc>
-                <a:spcPct val="90000"/>
-              </a:lnSpc>
-            </a:pPr>
-            <a:r>
-              <a:rPr lang="en-US" sz="2400" kern="1200" dirty="0">
-                <a:solidFill>
-                  <a:schemeClr val="bg1"/>
-                </a:solidFill>
-                <a:latin typeface="+mj-lt"/>
-                <a:ea typeface="+mj-ea"/>
-                <a:cs typeface="+mj-cs"/>
-              </a:rPr>
-              <a:t>Closing</a:t>
-            </a:r>
-            <a:r>
-              <a:rPr lang="en-US" sz="2400" dirty="0">
-                <a:solidFill>
-                  <a:schemeClr val="bg1"/>
-                </a:solidFill>
-                <a:ea typeface="+mj-ea"/>
-                <a:cs typeface="+mj-cs"/>
-              </a:rPr>
-              <a:t>?</a:t>
-            </a:r>
-            <a:endParaRPr lang="en-US" sz="2400" kern="1200" dirty="0">
-              <a:solidFill>
-                <a:schemeClr val="bg1"/>
-              </a:solidFill>
-              <a:latin typeface="+mj-lt"/>
-              <a:ea typeface="+mj-ea"/>
-              <a:cs typeface="+mj-cs"/>
-            </a:endParaRPr>
-          </a:p>
-        </p:txBody>
-      </p:sp>
-      <p:pic>
-        <p:nvPicPr>
-          <p:cNvPr id="8" name="Picture 7">
-            <a:extLst>
-              <a:ext uri="{FF2B5EF4-FFF2-40B4-BE49-F238E27FC236}">
-                <a16:creationId xmlns:a16="http://schemas.microsoft.com/office/drawing/2014/main" id="{521D4292-9ECC-4DA5-8CC0-C561A0DA118E}"/>
-              </a:ext>
-            </a:extLst>
-          </p:cNvPr>
-          <p:cNvPicPr>
-            <a:picLocks noChangeAspect="1"/>
-          </p:cNvPicPr>
-          <p:nvPr/>
-        </p:nvPicPr>
-        <p:blipFill rotWithShape="1">
-          <a:blip r:embed="rId3"/>
-          <a:srcRect l="8000" r="9400"/>
-          <a:stretch/>
-        </p:blipFill>
-        <p:spPr>
-          <a:xfrm>
-            <a:off x="660103" y="3048000"/>
-            <a:ext cx="2167974" cy="2624666"/>
-          </a:xfrm>
-          <a:prstGeom prst="rect">
-            <a:avLst/>
-          </a:prstGeom>
-          <a:noFill/>
-        </p:spPr>
-      </p:pic>
-      <p:sp>
-        <p:nvSpPr>
-          <p:cNvPr id="7" name="Content Placeholder 2">
-            <a:extLst>
-              <a:ext uri="{FF2B5EF4-FFF2-40B4-BE49-F238E27FC236}">
-                <a16:creationId xmlns:a16="http://schemas.microsoft.com/office/drawing/2014/main" id="{8FE51533-15BE-453E-90FE-08298901BC34}"/>
-              </a:ext>
-            </a:extLst>
-          </p:cNvPr>
-          <p:cNvSpPr txBox="1">
-            <a:spLocks/>
-          </p:cNvSpPr>
-          <p:nvPr/>
-        </p:nvSpPr>
-        <p:spPr bwMode="auto">
-          <a:xfrm>
-            <a:off x="3810000" y="643466"/>
-            <a:ext cx="4851400" cy="5833533"/>
-          </a:xfrm>
-          <a:prstGeom prst="rect">
-            <a:avLst/>
-          </a:prstGeom>
-        </p:spPr>
-        <p:txBody>
-          <a:bodyPr vert="horz" lIns="91440" tIns="45720" rIns="91440" bIns="45720" numCol="1" rtlCol="0" anchorCtr="0" compatLnSpc="1">
-            <a:prstTxWarp prst="textNoShape">
-              <a:avLst/>
-            </a:prstTxWarp>
-            <a:noAutofit/>
-          </a:bodyPr>
-          <a:lstStyle>
-            <a:lvl1pPr marL="342900" indent="-342900" algn="l" defTabSz="457200" rtl="0" eaLnBrk="0" fontAlgn="base" hangingPunct="0">
-              <a:spcBef>
-                <a:spcPct val="20000"/>
-              </a:spcBef>
-              <a:spcAft>
-                <a:spcPct val="0"/>
-              </a:spcAft>
-              <a:buFont typeface="Arial" charset="0"/>
-              <a:buChar char="•"/>
-              <a:defRPr sz="3200" kern="1200">
-                <a:solidFill>
-                  <a:schemeClr val="tx1"/>
-                </a:solidFill>
-                <a:latin typeface="+mn-lt"/>
-                <a:ea typeface="ＭＳ Ｐゴシック" pitchFamily="-109" charset="-128"/>
-                <a:cs typeface="ＭＳ Ｐゴシック" pitchFamily="-109" charset="-128"/>
-              </a:defRPr>
-            </a:lvl1pPr>
-            <a:lvl2pPr marL="742950" indent="-285750" algn="l" defTabSz="457200" rtl="0" eaLnBrk="0" fontAlgn="base" hangingPunct="0">
-              <a:spcBef>
-                <a:spcPct val="20000"/>
-              </a:spcBef>
-              <a:spcAft>
-                <a:spcPct val="0"/>
-              </a:spcAft>
-              <a:buFont typeface="Arial" charset="0"/>
-              <a:buChar char="–"/>
-              <a:defRPr sz="2800" kern="1200">
-                <a:solidFill>
-                  <a:schemeClr val="tx1"/>
-                </a:solidFill>
-                <a:latin typeface="+mn-lt"/>
-                <a:ea typeface="ＭＳ Ｐゴシック" pitchFamily="-109" charset="-128"/>
-                <a:cs typeface="+mn-cs"/>
-              </a:defRPr>
-            </a:lvl2pPr>
-            <a:lvl3pPr marL="1143000" indent="-228600" algn="l" defTabSz="457200" rtl="0" eaLnBrk="0" fontAlgn="base" hangingPunct="0">
-              <a:spcBef>
-                <a:spcPct val="20000"/>
-              </a:spcBef>
-              <a:spcAft>
-                <a:spcPct val="0"/>
-              </a:spcAft>
-              <a:buFont typeface="Arial" charset="0"/>
-              <a:buChar char="•"/>
-              <a:defRPr sz="2400" kern="1200">
-                <a:solidFill>
-                  <a:schemeClr val="tx1"/>
-                </a:solidFill>
-                <a:latin typeface="+mn-lt"/>
-                <a:ea typeface="ＭＳ Ｐゴシック" pitchFamily="-109" charset="-128"/>
-                <a:cs typeface="+mn-cs"/>
-              </a:defRPr>
-            </a:lvl3pPr>
-            <a:lvl4pPr marL="1600200" indent="-228600" algn="l" defTabSz="457200" rtl="0" eaLnBrk="0" fontAlgn="base" hangingPunct="0">
-              <a:spcBef>
-                <a:spcPct val="20000"/>
-              </a:spcBef>
-              <a:spcAft>
-                <a:spcPct val="0"/>
-              </a:spcAft>
-              <a:buFont typeface="Arial" charset="0"/>
-              <a:buChar char="–"/>
-              <a:defRPr sz="2000" kern="1200">
-                <a:solidFill>
-                  <a:schemeClr val="tx1"/>
-                </a:solidFill>
-                <a:latin typeface="+mn-lt"/>
-                <a:ea typeface="ＭＳ Ｐゴシック" pitchFamily="-109" charset="-128"/>
-                <a:cs typeface="+mn-cs"/>
-              </a:defRPr>
-            </a:lvl4pPr>
-            <a:lvl5pPr marL="2057400" indent="-228600" algn="l" defTabSz="457200" rtl="0" eaLnBrk="0" fontAlgn="base" hangingPunct="0">
-              <a:spcBef>
-                <a:spcPct val="20000"/>
-              </a:spcBef>
-              <a:spcAft>
-                <a:spcPct val="0"/>
-              </a:spcAft>
-              <a:buFont typeface="Arial" charset="0"/>
-              <a:buChar char="»"/>
-              <a:defRPr sz="2000" kern="1200">
-                <a:solidFill>
-                  <a:schemeClr val="tx1"/>
-                </a:solidFill>
-                <a:latin typeface="+mn-lt"/>
-                <a:ea typeface="ＭＳ Ｐゴシック" pitchFamily="-109" charset="-128"/>
-                <a:cs typeface="+mn-cs"/>
-              </a:defRPr>
-            </a:lvl5pPr>
-            <a:lvl6pPr marL="2514600" indent="-228600" algn="l" defTabSz="457200" rtl="0" eaLnBrk="1" latinLnBrk="0" hangingPunct="1">
-              <a:spcBef>
-                <a:spcPct val="20000"/>
-              </a:spcBef>
-              <a:buFont typeface="Arial"/>
-              <a:buChar char="•"/>
-              <a:defRPr sz="2000" kern="1200">
-                <a:solidFill>
-                  <a:schemeClr val="tx1"/>
-                </a:solidFill>
-                <a:latin typeface="+mn-lt"/>
-                <a:ea typeface="+mn-ea"/>
-                <a:cs typeface="+mn-cs"/>
-              </a:defRPr>
-            </a:lvl6pPr>
-            <a:lvl7pPr marL="2971800" indent="-228600" algn="l" defTabSz="457200" rtl="0" eaLnBrk="1" latinLnBrk="0" hangingPunct="1">
-              <a:spcBef>
-                <a:spcPct val="20000"/>
-              </a:spcBef>
-              <a:buFont typeface="Arial"/>
-              <a:buChar char="•"/>
-              <a:defRPr sz="2000" kern="1200">
-                <a:solidFill>
-                  <a:schemeClr val="tx1"/>
-                </a:solidFill>
-                <a:latin typeface="+mn-lt"/>
-                <a:ea typeface="+mn-ea"/>
-                <a:cs typeface="+mn-cs"/>
-              </a:defRPr>
-            </a:lvl7pPr>
-            <a:lvl8pPr marL="3429000" indent="-228600" algn="l" defTabSz="457200" rtl="0" eaLnBrk="1" latinLnBrk="0" hangingPunct="1">
-              <a:spcBef>
-                <a:spcPct val="20000"/>
-              </a:spcBef>
-              <a:buFont typeface="Arial"/>
-              <a:buChar char="•"/>
-              <a:defRPr sz="2000" kern="1200">
-                <a:solidFill>
-                  <a:schemeClr val="tx1"/>
-                </a:solidFill>
-                <a:latin typeface="+mn-lt"/>
-                <a:ea typeface="+mn-ea"/>
-                <a:cs typeface="+mn-cs"/>
-              </a:defRPr>
-            </a:lvl8pPr>
-            <a:lvl9pPr marL="3886200" indent="-228600" algn="l" defTabSz="457200" rtl="0" eaLnBrk="1" latinLnBrk="0" hangingPunct="1">
-              <a:spcBef>
-                <a:spcPct val="20000"/>
-              </a:spcBef>
-              <a:buFont typeface="Arial"/>
-              <a:buChar char="•"/>
-              <a:defRPr sz="2000" kern="1200">
-                <a:solidFill>
-                  <a:schemeClr val="tx1"/>
-                </a:solidFill>
-                <a:latin typeface="+mn-lt"/>
-                <a:ea typeface="+mn-ea"/>
-                <a:cs typeface="+mn-cs"/>
-              </a:defRPr>
-            </a:lvl9pPr>
-          </a:lstStyle>
-          <a:p>
-            <a:pPr indent="-228600" defTabSz="914400" eaLnBrk="1" hangingPunct="1">
-              <a:lnSpc>
-                <a:spcPct val="90000"/>
-              </a:lnSpc>
-              <a:buFont typeface="Arial" panose="020B0604020202020204" pitchFamily="34" charset="0"/>
-              <a:buChar char="•"/>
-            </a:pPr>
-            <a:endParaRPr lang="en-US" sz="2000" dirty="0">
-              <a:solidFill>
-                <a:srgbClr val="404040"/>
-              </a:solidFill>
-              <a:ea typeface="+mn-ea"/>
-              <a:cs typeface="+mn-cs"/>
-            </a:endParaRPr>
-          </a:p>
-          <a:p>
-            <a:pPr indent="-228600" defTabSz="914400" eaLnBrk="1" hangingPunct="1">
-              <a:lnSpc>
-                <a:spcPct val="90000"/>
-              </a:lnSpc>
-              <a:buFont typeface="Arial" panose="020B0604020202020204" pitchFamily="34" charset="0"/>
-              <a:buChar char="•"/>
-            </a:pPr>
-            <a:endParaRPr lang="en-US" sz="2000" dirty="0">
-              <a:solidFill>
-                <a:srgbClr val="404040"/>
-              </a:solidFill>
-              <a:ea typeface="+mn-ea"/>
-              <a:cs typeface="+mn-cs"/>
-            </a:endParaRPr>
-          </a:p>
-        </p:txBody>
-      </p:sp>
-      <p:sp>
-        <p:nvSpPr>
-          <p:cNvPr id="10" name="Content Placeholder 2">
-            <a:extLst>
-              <a:ext uri="{FF2B5EF4-FFF2-40B4-BE49-F238E27FC236}">
-                <a16:creationId xmlns:a16="http://schemas.microsoft.com/office/drawing/2014/main" id="{10754C74-871F-42E2-A79F-10B9CCA16CD5}"/>
-              </a:ext>
-            </a:extLst>
-          </p:cNvPr>
-          <p:cNvSpPr txBox="1">
-            <a:spLocks/>
-          </p:cNvSpPr>
-          <p:nvPr/>
-        </p:nvSpPr>
-        <p:spPr bwMode="auto">
-          <a:xfrm>
-            <a:off x="3973322" y="643466"/>
-            <a:ext cx="4851400" cy="5953916"/>
-          </a:xfrm>
-          <a:prstGeom prst="rect">
-            <a:avLst/>
-          </a:prstGeom>
-        </p:spPr>
-        <p:txBody>
-          <a:bodyPr vert="horz" lIns="91440" tIns="45720" rIns="91440" bIns="45720" numCol="1" rtlCol="0" anchorCtr="0" compatLnSpc="1">
-            <a:prstTxWarp prst="textNoShape">
-              <a:avLst/>
-            </a:prstTxWarp>
-            <a:noAutofit/>
-          </a:bodyPr>
-          <a:lstStyle>
-            <a:lvl1pPr marL="342900" indent="-342900" algn="l" defTabSz="457200" rtl="0" eaLnBrk="0" fontAlgn="base" hangingPunct="0">
-              <a:spcBef>
-                <a:spcPct val="20000"/>
-              </a:spcBef>
-              <a:spcAft>
-                <a:spcPct val="0"/>
-              </a:spcAft>
-              <a:buFont typeface="Arial" charset="0"/>
-              <a:buChar char="•"/>
-              <a:defRPr sz="3200" kern="1200">
-                <a:solidFill>
-                  <a:schemeClr val="tx1"/>
-                </a:solidFill>
-                <a:latin typeface="+mn-lt"/>
-                <a:ea typeface="ＭＳ Ｐゴシック" pitchFamily="-109" charset="-128"/>
-                <a:cs typeface="ＭＳ Ｐゴシック" pitchFamily="-109" charset="-128"/>
-              </a:defRPr>
-            </a:lvl1pPr>
-            <a:lvl2pPr marL="742950" indent="-285750" algn="l" defTabSz="457200" rtl="0" eaLnBrk="0" fontAlgn="base" hangingPunct="0">
-              <a:spcBef>
-                <a:spcPct val="20000"/>
-              </a:spcBef>
-              <a:spcAft>
-                <a:spcPct val="0"/>
-              </a:spcAft>
-              <a:buFont typeface="Arial" charset="0"/>
-              <a:buChar char="–"/>
-              <a:defRPr sz="2800" kern="1200">
-                <a:solidFill>
-                  <a:schemeClr val="tx1"/>
-                </a:solidFill>
-                <a:latin typeface="+mn-lt"/>
-                <a:ea typeface="ＭＳ Ｐゴシック" pitchFamily="-109" charset="-128"/>
-                <a:cs typeface="+mn-cs"/>
-              </a:defRPr>
-            </a:lvl2pPr>
-            <a:lvl3pPr marL="1143000" indent="-228600" algn="l" defTabSz="457200" rtl="0" eaLnBrk="0" fontAlgn="base" hangingPunct="0">
-              <a:spcBef>
-                <a:spcPct val="20000"/>
-              </a:spcBef>
-              <a:spcAft>
-                <a:spcPct val="0"/>
-              </a:spcAft>
-              <a:buFont typeface="Arial" charset="0"/>
-              <a:buChar char="•"/>
-              <a:defRPr sz="2400" kern="1200">
-                <a:solidFill>
-                  <a:schemeClr val="tx1"/>
-                </a:solidFill>
-                <a:latin typeface="+mn-lt"/>
-                <a:ea typeface="ＭＳ Ｐゴシック" pitchFamily="-109" charset="-128"/>
-                <a:cs typeface="+mn-cs"/>
-              </a:defRPr>
-            </a:lvl3pPr>
-            <a:lvl4pPr marL="1600200" indent="-228600" algn="l" defTabSz="457200" rtl="0" eaLnBrk="0" fontAlgn="base" hangingPunct="0">
-              <a:spcBef>
-                <a:spcPct val="20000"/>
-              </a:spcBef>
-              <a:spcAft>
-                <a:spcPct val="0"/>
-              </a:spcAft>
-              <a:buFont typeface="Arial" charset="0"/>
-              <a:buChar char="–"/>
-              <a:defRPr sz="2000" kern="1200">
-                <a:solidFill>
-                  <a:schemeClr val="tx1"/>
-                </a:solidFill>
-                <a:latin typeface="+mn-lt"/>
-                <a:ea typeface="ＭＳ Ｐゴシック" pitchFamily="-109" charset="-128"/>
-                <a:cs typeface="+mn-cs"/>
-              </a:defRPr>
-            </a:lvl4pPr>
-            <a:lvl5pPr marL="2057400" indent="-228600" algn="l" defTabSz="457200" rtl="0" eaLnBrk="0" fontAlgn="base" hangingPunct="0">
-              <a:spcBef>
-                <a:spcPct val="20000"/>
-              </a:spcBef>
-              <a:spcAft>
-                <a:spcPct val="0"/>
-              </a:spcAft>
-              <a:buFont typeface="Arial" charset="0"/>
-              <a:buChar char="»"/>
-              <a:defRPr sz="2000" kern="1200">
-                <a:solidFill>
-                  <a:schemeClr val="tx1"/>
-                </a:solidFill>
-                <a:latin typeface="+mn-lt"/>
-                <a:ea typeface="ＭＳ Ｐゴシック" pitchFamily="-109" charset="-128"/>
-                <a:cs typeface="+mn-cs"/>
-              </a:defRPr>
-            </a:lvl5pPr>
-            <a:lvl6pPr marL="2514600" indent="-228600" algn="l" defTabSz="457200" rtl="0" eaLnBrk="1" latinLnBrk="0" hangingPunct="1">
-              <a:spcBef>
-                <a:spcPct val="20000"/>
-              </a:spcBef>
-              <a:buFont typeface="Arial"/>
-              <a:buChar char="•"/>
-              <a:defRPr sz="2000" kern="1200">
-                <a:solidFill>
-                  <a:schemeClr val="tx1"/>
-                </a:solidFill>
-                <a:latin typeface="+mn-lt"/>
-                <a:ea typeface="+mn-ea"/>
-                <a:cs typeface="+mn-cs"/>
-              </a:defRPr>
-            </a:lvl6pPr>
-            <a:lvl7pPr marL="2971800" indent="-228600" algn="l" defTabSz="457200" rtl="0" eaLnBrk="1" latinLnBrk="0" hangingPunct="1">
-              <a:spcBef>
-                <a:spcPct val="20000"/>
-              </a:spcBef>
-              <a:buFont typeface="Arial"/>
-              <a:buChar char="•"/>
-              <a:defRPr sz="2000" kern="1200">
-                <a:solidFill>
-                  <a:schemeClr val="tx1"/>
-                </a:solidFill>
-                <a:latin typeface="+mn-lt"/>
-                <a:ea typeface="+mn-ea"/>
-                <a:cs typeface="+mn-cs"/>
-              </a:defRPr>
-            </a:lvl7pPr>
-            <a:lvl8pPr marL="3429000" indent="-228600" algn="l" defTabSz="457200" rtl="0" eaLnBrk="1" latinLnBrk="0" hangingPunct="1">
-              <a:spcBef>
-                <a:spcPct val="20000"/>
-              </a:spcBef>
-              <a:buFont typeface="Arial"/>
-              <a:buChar char="•"/>
-              <a:defRPr sz="2000" kern="1200">
-                <a:solidFill>
-                  <a:schemeClr val="tx1"/>
-                </a:solidFill>
-                <a:latin typeface="+mn-lt"/>
-                <a:ea typeface="+mn-ea"/>
-                <a:cs typeface="+mn-cs"/>
-              </a:defRPr>
-            </a:lvl8pPr>
-            <a:lvl9pPr marL="3886200" indent="-228600" algn="l" defTabSz="457200" rtl="0" eaLnBrk="1" latinLnBrk="0" hangingPunct="1">
-              <a:spcBef>
-                <a:spcPct val="20000"/>
-              </a:spcBef>
-              <a:buFont typeface="Arial"/>
-              <a:buChar char="•"/>
-              <a:defRPr sz="2000" kern="1200">
-                <a:solidFill>
-                  <a:schemeClr val="tx1"/>
-                </a:solidFill>
-                <a:latin typeface="+mn-lt"/>
-                <a:ea typeface="+mn-ea"/>
-                <a:cs typeface="+mn-cs"/>
-              </a:defRPr>
-            </a:lvl9pPr>
-          </a:lstStyle>
-          <a:p>
-            <a:pPr marL="114300" indent="0" defTabSz="914400" eaLnBrk="1" hangingPunct="1">
-              <a:lnSpc>
-                <a:spcPct val="90000"/>
-              </a:lnSpc>
-              <a:buNone/>
-            </a:pPr>
-            <a:r>
-              <a:rPr lang="en-US" sz="7200" dirty="0">
-                <a:solidFill>
-                  <a:srgbClr val="404040"/>
-                </a:solidFill>
-                <a:ea typeface="+mn-ea"/>
-                <a:cs typeface="+mn-cs"/>
-              </a:rPr>
-              <a:t>Disperse and Make Reasonable Decisions</a:t>
-            </a:r>
-          </a:p>
-          <a:p>
-            <a:pPr indent="-228600" defTabSz="914400" eaLnBrk="1" hangingPunct="1">
-              <a:lnSpc>
-                <a:spcPct val="90000"/>
-              </a:lnSpc>
-              <a:buFont typeface="Arial" panose="020B0604020202020204" pitchFamily="34" charset="0"/>
-              <a:buChar char="•"/>
-            </a:pPr>
-            <a:endParaRPr lang="en-US" sz="7200" dirty="0">
-              <a:solidFill>
-                <a:srgbClr val="404040"/>
-              </a:solidFill>
-              <a:ea typeface="+mn-ea"/>
-              <a:cs typeface="+mn-cs"/>
-            </a:endParaRPr>
-          </a:p>
-          <a:p>
-            <a:pPr indent="-228600" defTabSz="914400" eaLnBrk="1" hangingPunct="1">
-              <a:lnSpc>
-                <a:spcPct val="90000"/>
-              </a:lnSpc>
-              <a:buFont typeface="Arial" panose="020B0604020202020204" pitchFamily="34" charset="0"/>
-              <a:buChar char="•"/>
-            </a:pPr>
-            <a:endParaRPr lang="en-US" sz="7200" dirty="0">
-              <a:solidFill>
-                <a:srgbClr val="404040"/>
-              </a:solidFill>
-              <a:ea typeface="+mn-ea"/>
-              <a:cs typeface="+mn-cs"/>
-            </a:endParaRPr>
-          </a:p>
-          <a:p>
-            <a:pPr indent="-228600" defTabSz="914400" eaLnBrk="1" hangingPunct="1">
-              <a:lnSpc>
-                <a:spcPct val="90000"/>
-              </a:lnSpc>
-              <a:buFont typeface="Arial" panose="020B0604020202020204" pitchFamily="34" charset="0"/>
-              <a:buChar char="•"/>
-            </a:pPr>
-            <a:endParaRPr lang="en-US" sz="7200" dirty="0">
-              <a:solidFill>
-                <a:srgbClr val="404040"/>
-              </a:solidFill>
-              <a:ea typeface="+mn-ea"/>
-              <a:cs typeface="+mn-cs"/>
-            </a:endParaRPr>
-          </a:p>
-          <a:p>
-            <a:pPr indent="-228600" defTabSz="914400" eaLnBrk="1" hangingPunct="1">
-              <a:lnSpc>
-                <a:spcPct val="90000"/>
-              </a:lnSpc>
-              <a:buFont typeface="Arial" panose="020B0604020202020204" pitchFamily="34" charset="0"/>
-              <a:buChar char="•"/>
-            </a:pPr>
-            <a:endParaRPr lang="en-US" sz="7200" dirty="0">
-              <a:solidFill>
-                <a:srgbClr val="404040"/>
-              </a:solidFill>
-              <a:ea typeface="+mn-ea"/>
-              <a:cs typeface="+mn-cs"/>
-            </a:endParaRPr>
-          </a:p>
-        </p:txBody>
-      </p:sp>
-    </p:spTree>
-    <p:custDataLst>
-      <p:tags r:id="rId1"/>
-    </p:custDataLst>
-    <p:extLst>
-      <p:ext uri="{BB962C8B-B14F-4D97-AF65-F5344CB8AC3E}">
-        <p14:creationId xmlns:p14="http://schemas.microsoft.com/office/powerpoint/2010/main" val="3647066437"/>
       </p:ext>
     </p:extLst>
   </p:cSld>
@@ -18364,37 +15483,7 @@
 </p:tagLst>
 </file>
 
-<file path=ppt/tags/tag17.xml><?xml version="1.0" encoding="utf-8"?>
-<p:tagLst xmlns:a="http://schemas.openxmlformats.org/drawingml/2006/main" xmlns:r="http://schemas.openxmlformats.org/officeDocument/2006/relationships" xmlns:p="http://schemas.openxmlformats.org/presentationml/2006/main">
-  <p:tag name="DELIMITERS" val="3.1"/>
-</p:tagLst>
-</file>
-
-<file path=ppt/tags/tag18.xml><?xml version="1.0" encoding="utf-8"?>
-<p:tagLst xmlns:a="http://schemas.openxmlformats.org/drawingml/2006/main" xmlns:r="http://schemas.openxmlformats.org/officeDocument/2006/relationships" xmlns:p="http://schemas.openxmlformats.org/presentationml/2006/main">
-  <p:tag name="DELIMITERS" val="3.1"/>
-</p:tagLst>
-</file>
-
-<file path=ppt/tags/tag19.xml><?xml version="1.0" encoding="utf-8"?>
-<p:tagLst xmlns:a="http://schemas.openxmlformats.org/drawingml/2006/main" xmlns:r="http://schemas.openxmlformats.org/officeDocument/2006/relationships" xmlns:p="http://schemas.openxmlformats.org/presentationml/2006/main">
-  <p:tag name="DELIMITERS" val="3.1"/>
-</p:tagLst>
-</file>
-
 <file path=ppt/tags/tag2.xml><?xml version="1.0" encoding="utf-8"?>
-<p:tagLst xmlns:a="http://schemas.openxmlformats.org/drawingml/2006/main" xmlns:r="http://schemas.openxmlformats.org/officeDocument/2006/relationships" xmlns:p="http://schemas.openxmlformats.org/presentationml/2006/main">
-  <p:tag name="DELIMITERS" val="3.1"/>
-</p:tagLst>
-</file>
-
-<file path=ppt/tags/tag20.xml><?xml version="1.0" encoding="utf-8"?>
-<p:tagLst xmlns:a="http://schemas.openxmlformats.org/drawingml/2006/main" xmlns:r="http://schemas.openxmlformats.org/officeDocument/2006/relationships" xmlns:p="http://schemas.openxmlformats.org/presentationml/2006/main">
-  <p:tag name="DELIMITERS" val="3.1"/>
-</p:tagLst>
-</file>
-
-<file path=ppt/tags/tag21.xml><?xml version="1.0" encoding="utf-8"?>
 <p:tagLst xmlns:a="http://schemas.openxmlformats.org/drawingml/2006/main" xmlns:r="http://schemas.openxmlformats.org/officeDocument/2006/relationships" xmlns:p="http://schemas.openxmlformats.org/presentationml/2006/main">
   <p:tag name="DELIMITERS" val="3.1"/>
 </p:tagLst>

--- a/Lecture/Lecture 6/Lecture 6.pptx
+++ b/Lecture/Lecture 6/Lecture 6.pptx
@@ -290,7 +290,7 @@
               <a:pPr>
                 <a:defRPr/>
               </a:pPr>
-              <a:t>9/5/2018</a:t>
+              <a:t>9/8/2018</a:t>
             </a:fld>
             <a:endParaRPr lang="en-US" dirty="0"/>
           </a:p>
@@ -502,7 +502,7 @@
               <a:pPr>
                 <a:defRPr/>
               </a:pPr>
-              <a:t>9/5/2018</a:t>
+              <a:t>9/8/2018</a:t>
             </a:fld>
             <a:endParaRPr lang="en-US" dirty="0"/>
           </a:p>
@@ -1021,7 +1021,7 @@
               <a:pPr>
                 <a:defRPr/>
               </a:pPr>
-              <a:t>9/5/2018</a:t>
+              <a:t>9/8/2018</a:t>
             </a:fld>
             <a:endParaRPr lang="en-US" dirty="0"/>
           </a:p>
@@ -1211,7 +1211,7 @@
               <a:pPr>
                 <a:defRPr/>
               </a:pPr>
-              <a:t>9/5/2018</a:t>
+              <a:t>9/8/2018</a:t>
             </a:fld>
             <a:endParaRPr lang="en-US" dirty="0"/>
           </a:p>
@@ -1411,7 +1411,7 @@
               <a:pPr>
                 <a:defRPr/>
               </a:pPr>
-              <a:t>9/5/2018</a:t>
+              <a:t>9/8/2018</a:t>
             </a:fld>
             <a:endParaRPr lang="en-US" dirty="0"/>
           </a:p>
@@ -1679,7 +1679,7 @@
               <a:pPr>
                 <a:defRPr/>
               </a:pPr>
-              <a:t>9/5/2018</a:t>
+              <a:t>9/8/2018</a:t>
             </a:fld>
             <a:endParaRPr lang="en-US" dirty="0">
               <a:solidFill>
@@ -1893,7 +1893,7 @@
               <a:pPr>
                 <a:defRPr/>
               </a:pPr>
-              <a:t>9/5/2018</a:t>
+              <a:t>9/8/2018</a:t>
             </a:fld>
             <a:endParaRPr lang="en-US" dirty="0">
               <a:solidFill>
@@ -2184,7 +2184,7 @@
               <a:pPr>
                 <a:defRPr/>
               </a:pPr>
-              <a:t>9/5/2018</a:t>
+              <a:t>9/8/2018</a:t>
             </a:fld>
             <a:endParaRPr lang="en-US" dirty="0">
               <a:solidFill>
@@ -2515,7 +2515,7 @@
               <a:pPr>
                 <a:defRPr/>
               </a:pPr>
-              <a:t>9/5/2018</a:t>
+              <a:t>9/8/2018</a:t>
             </a:fld>
             <a:endParaRPr lang="en-US" dirty="0">
               <a:solidFill>
@@ -2980,7 +2980,7 @@
               <a:pPr>
                 <a:defRPr/>
               </a:pPr>
-              <a:t>9/5/2018</a:t>
+              <a:t>9/8/2018</a:t>
             </a:fld>
             <a:endParaRPr lang="en-US" dirty="0">
               <a:solidFill>
@@ -3143,7 +3143,7 @@
               <a:pPr>
                 <a:defRPr/>
               </a:pPr>
-              <a:t>9/5/2018</a:t>
+              <a:t>9/8/2018</a:t>
             </a:fld>
             <a:endParaRPr lang="en-US" dirty="0">
               <a:solidFill>
@@ -3284,7 +3284,7 @@
               <a:pPr>
                 <a:defRPr/>
               </a:pPr>
-              <a:t>9/5/2018</a:t>
+              <a:t>9/8/2018</a:t>
             </a:fld>
             <a:endParaRPr lang="en-US" dirty="0">
               <a:solidFill>
@@ -3605,7 +3605,7 @@
               <a:pPr>
                 <a:defRPr/>
               </a:pPr>
-              <a:t>9/5/2018</a:t>
+              <a:t>9/8/2018</a:t>
             </a:fld>
             <a:endParaRPr lang="en-US" dirty="0">
               <a:solidFill>
@@ -3813,7 +3813,7 @@
               <a:pPr>
                 <a:defRPr/>
               </a:pPr>
-              <a:t>9/5/2018</a:t>
+              <a:t>9/8/2018</a:t>
             </a:fld>
             <a:endParaRPr lang="en-US" dirty="0"/>
           </a:p>
@@ -4096,7 +4096,7 @@
               <a:pPr>
                 <a:defRPr/>
               </a:pPr>
-              <a:t>9/5/2018</a:t>
+              <a:t>9/8/2018</a:t>
             </a:fld>
             <a:endParaRPr lang="en-US" dirty="0">
               <a:solidFill>
@@ -4310,7 +4310,7 @@
               <a:pPr>
                 <a:defRPr/>
               </a:pPr>
-              <a:t>9/5/2018</a:t>
+              <a:t>9/8/2018</a:t>
             </a:fld>
             <a:endParaRPr lang="en-US" dirty="0">
               <a:solidFill>
@@ -4534,7 +4534,7 @@
               <a:pPr>
                 <a:defRPr/>
               </a:pPr>
-              <a:t>9/5/2018</a:t>
+              <a:t>9/8/2018</a:t>
             </a:fld>
             <a:endParaRPr lang="en-US" dirty="0">
               <a:solidFill>
@@ -4744,7 +4744,7 @@
               <a:pPr>
                 <a:defRPr/>
               </a:pPr>
-              <a:t>9/5/2018</a:t>
+              <a:t>9/8/2018</a:t>
             </a:fld>
             <a:endParaRPr lang="en-US" dirty="0">
               <a:solidFill>
@@ -5021,7 +5021,7 @@
               <a:pPr>
                 <a:defRPr/>
               </a:pPr>
-              <a:t>9/5/2018</a:t>
+              <a:t>9/8/2018</a:t>
             </a:fld>
             <a:endParaRPr lang="en-US" dirty="0"/>
           </a:p>
@@ -5328,7 +5328,7 @@
               <a:pPr>
                 <a:defRPr/>
               </a:pPr>
-              <a:t>9/5/2018</a:t>
+              <a:t>9/8/2018</a:t>
             </a:fld>
             <a:endParaRPr lang="en-US" dirty="0"/>
           </a:p>
@@ -5769,7 +5769,7 @@
               <a:pPr>
                 <a:defRPr/>
               </a:pPr>
-              <a:t>9/5/2018</a:t>
+              <a:t>9/8/2018</a:t>
             </a:fld>
             <a:endParaRPr lang="en-US" dirty="0"/>
           </a:p>
@@ -5908,7 +5908,7 @@
               <a:pPr>
                 <a:defRPr/>
               </a:pPr>
-              <a:t>9/5/2018</a:t>
+              <a:t>9/8/2018</a:t>
             </a:fld>
             <a:endParaRPr lang="en-US" dirty="0"/>
           </a:p>
@@ -6025,7 +6025,7 @@
               <a:pPr>
                 <a:defRPr/>
               </a:pPr>
-              <a:t>9/5/2018</a:t>
+              <a:t>9/8/2018</a:t>
             </a:fld>
             <a:endParaRPr lang="en-US" dirty="0"/>
           </a:p>
@@ -6322,7 +6322,7 @@
               <a:pPr>
                 <a:defRPr/>
               </a:pPr>
-              <a:t>9/5/2018</a:t>
+              <a:t>9/8/2018</a:t>
             </a:fld>
             <a:endParaRPr lang="en-US" dirty="0"/>
           </a:p>
@@ -6599,7 +6599,7 @@
               <a:pPr>
                 <a:defRPr/>
               </a:pPr>
-              <a:t>9/5/2018</a:t>
+              <a:t>9/8/2018</a:t>
             </a:fld>
             <a:endParaRPr lang="en-US" dirty="0"/>
           </a:p>
@@ -6856,7 +6856,7 @@
               <a:pPr>
                 <a:defRPr/>
               </a:pPr>
-              <a:t>9/5/2018</a:t>
+              <a:t>9/8/2018</a:t>
             </a:fld>
             <a:endParaRPr lang="en-US" dirty="0"/>
           </a:p>
@@ -7566,7 +7566,7 @@
               <a:pPr>
                 <a:defRPr/>
               </a:pPr>
-              <a:t>9/5/2018</a:t>
+              <a:t>9/8/2018</a:t>
             </a:fld>
             <a:endParaRPr lang="en-US" dirty="0">
               <a:solidFill>
@@ -8856,7 +8856,26 @@
           <a:prstGeom prst="rect">
             <a:avLst/>
           </a:prstGeom>
+          <a:ln>
+            <a:solidFill>
+              <a:srgbClr val="404040"/>
+            </a:solidFill>
+          </a:ln>
         </p:spPr>
+        <p:style>
+          <a:lnRef idx="2">
+            <a:schemeClr val="dk1"/>
+          </a:lnRef>
+          <a:fillRef idx="1">
+            <a:schemeClr val="lt1"/>
+          </a:fillRef>
+          <a:effectRef idx="0">
+            <a:schemeClr val="dk1"/>
+          </a:effectRef>
+          <a:fontRef idx="minor">
+            <a:schemeClr val="dk1"/>
+          </a:fontRef>
+        </p:style>
       </p:pic>
       <p:cxnSp>
         <p:nvCxnSpPr>

--- a/Lecture/Lecture 6/Lecture 6.pptx
+++ b/Lecture/Lecture 6/Lecture 6.pptx
@@ -290,7 +290,7 @@
               <a:pPr>
                 <a:defRPr/>
               </a:pPr>
-              <a:t>9/8/2018</a:t>
+              <a:t>1/22/2019</a:t>
             </a:fld>
             <a:endParaRPr lang="en-US" dirty="0"/>
           </a:p>
@@ -502,7 +502,7 @@
               <a:pPr>
                 <a:defRPr/>
               </a:pPr>
-              <a:t>9/8/2018</a:t>
+              <a:t>1/22/2019</a:t>
             </a:fld>
             <a:endParaRPr lang="en-US" dirty="0"/>
           </a:p>
@@ -1021,7 +1021,7 @@
               <a:pPr>
                 <a:defRPr/>
               </a:pPr>
-              <a:t>9/8/2018</a:t>
+              <a:t>1/22/2019</a:t>
             </a:fld>
             <a:endParaRPr lang="en-US" dirty="0"/>
           </a:p>
@@ -1211,7 +1211,7 @@
               <a:pPr>
                 <a:defRPr/>
               </a:pPr>
-              <a:t>9/8/2018</a:t>
+              <a:t>1/22/2019</a:t>
             </a:fld>
             <a:endParaRPr lang="en-US" dirty="0"/>
           </a:p>
@@ -1411,7 +1411,7 @@
               <a:pPr>
                 <a:defRPr/>
               </a:pPr>
-              <a:t>9/8/2018</a:t>
+              <a:t>1/22/2019</a:t>
             </a:fld>
             <a:endParaRPr lang="en-US" dirty="0"/>
           </a:p>
@@ -1679,7 +1679,7 @@
               <a:pPr>
                 <a:defRPr/>
               </a:pPr>
-              <a:t>9/8/2018</a:t>
+              <a:t>1/22/2019</a:t>
             </a:fld>
             <a:endParaRPr lang="en-US" dirty="0">
               <a:solidFill>
@@ -1893,7 +1893,7 @@
               <a:pPr>
                 <a:defRPr/>
               </a:pPr>
-              <a:t>9/8/2018</a:t>
+              <a:t>1/22/2019</a:t>
             </a:fld>
             <a:endParaRPr lang="en-US" dirty="0">
               <a:solidFill>
@@ -2184,7 +2184,7 @@
               <a:pPr>
                 <a:defRPr/>
               </a:pPr>
-              <a:t>9/8/2018</a:t>
+              <a:t>1/22/2019</a:t>
             </a:fld>
             <a:endParaRPr lang="en-US" dirty="0">
               <a:solidFill>
@@ -2515,7 +2515,7 @@
               <a:pPr>
                 <a:defRPr/>
               </a:pPr>
-              <a:t>9/8/2018</a:t>
+              <a:t>1/22/2019</a:t>
             </a:fld>
             <a:endParaRPr lang="en-US" dirty="0">
               <a:solidFill>
@@ -2980,7 +2980,7 @@
               <a:pPr>
                 <a:defRPr/>
               </a:pPr>
-              <a:t>9/8/2018</a:t>
+              <a:t>1/22/2019</a:t>
             </a:fld>
             <a:endParaRPr lang="en-US" dirty="0">
               <a:solidFill>
@@ -3143,7 +3143,7 @@
               <a:pPr>
                 <a:defRPr/>
               </a:pPr>
-              <a:t>9/8/2018</a:t>
+              <a:t>1/22/2019</a:t>
             </a:fld>
             <a:endParaRPr lang="en-US" dirty="0">
               <a:solidFill>
@@ -3284,7 +3284,7 @@
               <a:pPr>
                 <a:defRPr/>
               </a:pPr>
-              <a:t>9/8/2018</a:t>
+              <a:t>1/22/2019</a:t>
             </a:fld>
             <a:endParaRPr lang="en-US" dirty="0">
               <a:solidFill>
@@ -3605,7 +3605,7 @@
               <a:pPr>
                 <a:defRPr/>
               </a:pPr>
-              <a:t>9/8/2018</a:t>
+              <a:t>1/22/2019</a:t>
             </a:fld>
             <a:endParaRPr lang="en-US" dirty="0">
               <a:solidFill>
@@ -3813,7 +3813,7 @@
               <a:pPr>
                 <a:defRPr/>
               </a:pPr>
-              <a:t>9/8/2018</a:t>
+              <a:t>1/22/2019</a:t>
             </a:fld>
             <a:endParaRPr lang="en-US" dirty="0"/>
           </a:p>
@@ -4096,7 +4096,7 @@
               <a:pPr>
                 <a:defRPr/>
               </a:pPr>
-              <a:t>9/8/2018</a:t>
+              <a:t>1/22/2019</a:t>
             </a:fld>
             <a:endParaRPr lang="en-US" dirty="0">
               <a:solidFill>
@@ -4310,7 +4310,7 @@
               <a:pPr>
                 <a:defRPr/>
               </a:pPr>
-              <a:t>9/8/2018</a:t>
+              <a:t>1/22/2019</a:t>
             </a:fld>
             <a:endParaRPr lang="en-US" dirty="0">
               <a:solidFill>
@@ -4534,7 +4534,7 @@
               <a:pPr>
                 <a:defRPr/>
               </a:pPr>
-              <a:t>9/8/2018</a:t>
+              <a:t>1/22/2019</a:t>
             </a:fld>
             <a:endParaRPr lang="en-US" dirty="0">
               <a:solidFill>
@@ -4744,7 +4744,7 @@
               <a:pPr>
                 <a:defRPr/>
               </a:pPr>
-              <a:t>9/8/2018</a:t>
+              <a:t>1/22/2019</a:t>
             </a:fld>
             <a:endParaRPr lang="en-US" dirty="0">
               <a:solidFill>
@@ -5021,7 +5021,7 @@
               <a:pPr>
                 <a:defRPr/>
               </a:pPr>
-              <a:t>9/8/2018</a:t>
+              <a:t>1/22/2019</a:t>
             </a:fld>
             <a:endParaRPr lang="en-US" dirty="0"/>
           </a:p>
@@ -5328,7 +5328,7 @@
               <a:pPr>
                 <a:defRPr/>
               </a:pPr>
-              <a:t>9/8/2018</a:t>
+              <a:t>1/22/2019</a:t>
             </a:fld>
             <a:endParaRPr lang="en-US" dirty="0"/>
           </a:p>
@@ -5769,7 +5769,7 @@
               <a:pPr>
                 <a:defRPr/>
               </a:pPr>
-              <a:t>9/8/2018</a:t>
+              <a:t>1/22/2019</a:t>
             </a:fld>
             <a:endParaRPr lang="en-US" dirty="0"/>
           </a:p>
@@ -5908,7 +5908,7 @@
               <a:pPr>
                 <a:defRPr/>
               </a:pPr>
-              <a:t>9/8/2018</a:t>
+              <a:t>1/22/2019</a:t>
             </a:fld>
             <a:endParaRPr lang="en-US" dirty="0"/>
           </a:p>
@@ -6025,7 +6025,7 @@
               <a:pPr>
                 <a:defRPr/>
               </a:pPr>
-              <a:t>9/8/2018</a:t>
+              <a:t>1/22/2019</a:t>
             </a:fld>
             <a:endParaRPr lang="en-US" dirty="0"/>
           </a:p>
@@ -6322,7 +6322,7 @@
               <a:pPr>
                 <a:defRPr/>
               </a:pPr>
-              <a:t>9/8/2018</a:t>
+              <a:t>1/22/2019</a:t>
             </a:fld>
             <a:endParaRPr lang="en-US" dirty="0"/>
           </a:p>
@@ -6599,7 +6599,7 @@
               <a:pPr>
                 <a:defRPr/>
               </a:pPr>
-              <a:t>9/8/2018</a:t>
+              <a:t>1/22/2019</a:t>
             </a:fld>
             <a:endParaRPr lang="en-US" dirty="0"/>
           </a:p>
@@ -6856,7 +6856,7 @@
               <a:pPr>
                 <a:defRPr/>
               </a:pPr>
-              <a:t>9/8/2018</a:t>
+              <a:t>1/22/2019</a:t>
             </a:fld>
             <a:endParaRPr lang="en-US" dirty="0"/>
           </a:p>
@@ -7566,7 +7566,7 @@
               <a:pPr>
                 <a:defRPr/>
               </a:pPr>
-              <a:t>9/8/2018</a:t>
+              <a:t>1/22/2019</a:t>
             </a:fld>
             <a:endParaRPr lang="en-US" dirty="0">
               <a:solidFill>
